--- a/Fase 1/Evidencias Grupales/Presentacion Proyecto.pptx
+++ b/Fase 1/Evidencias Grupales/Presentacion Proyecto.pptx
@@ -12,30 +12,33 @@
     <p:sldId id="257" r:id="rId7"/>
     <p:sldId id="258" r:id="rId8"/>
     <p:sldId id="259" r:id="rId9"/>
+    <p:sldId id="260" r:id="rId10"/>
+    <p:sldId id="261" r:id="rId11"/>
+    <p:sldId id="262" r:id="rId12"/>
   </p:sldIdLst>
   <p:sldSz cy="5143500" cx="9144000"/>
   <p:notesSz cx="6858000" cy="9144000"/>
   <p:embeddedFontLst>
     <p:embeddedFont>
       <p:font typeface="Playfair Display"/>
-      <p:regular r:id="rId10"/>
-      <p:bold r:id="rId11"/>
-      <p:italic r:id="rId12"/>
-      <p:boldItalic r:id="rId13"/>
+      <p:regular r:id="rId13"/>
+      <p:bold r:id="rId14"/>
+      <p:italic r:id="rId15"/>
+      <p:boldItalic r:id="rId16"/>
     </p:embeddedFont>
     <p:embeddedFont>
       <p:font typeface="Lato"/>
-      <p:regular r:id="rId14"/>
-      <p:bold r:id="rId15"/>
-      <p:italic r:id="rId16"/>
-      <p:boldItalic r:id="rId17"/>
+      <p:regular r:id="rId17"/>
+      <p:bold r:id="rId18"/>
+      <p:italic r:id="rId19"/>
+      <p:boldItalic r:id="rId20"/>
     </p:embeddedFont>
     <p:embeddedFont>
       <p:font typeface="Lato Light"/>
-      <p:regular r:id="rId18"/>
-      <p:bold r:id="rId19"/>
-      <p:italic r:id="rId20"/>
-      <p:boldItalic r:id="rId21"/>
+      <p:regular r:id="rId21"/>
+      <p:bold r:id="rId22"/>
+      <p:italic r:id="rId23"/>
+      <p:boldItalic r:id="rId24"/>
     </p:embeddedFont>
   </p:embeddedFontLst>
   <p:defaultTextStyle>
@@ -830,7 +833,7 @@
       </p:grpSpPr>
       <p:sp>
         <p:nvSpPr>
-          <p:cNvPr id="62" name="Google Shape;62;g3852c44a4f6_0_0:notes"/>
+          <p:cNvPr id="62" name="Google Shape;62;g37e5a1f7125_0_0:notes"/>
           <p:cNvSpPr/>
           <p:nvPr>
             <p:ph idx="2" type="sldImg"/>
@@ -865,7 +868,7 @@
       </p:sp>
       <p:sp>
         <p:nvSpPr>
-          <p:cNvPr id="63" name="Google Shape;63;g3852c44a4f6_0_0:notes"/>
+          <p:cNvPr id="63" name="Google Shape;63;g37e5a1f7125_0_0:notes"/>
           <p:cNvSpPr txBox="1"/>
           <p:nvPr>
             <p:ph idx="1" type="body"/>
@@ -915,7 +918,7 @@
   <p:cSld>
     <p:spTree>
       <p:nvGrpSpPr>
-        <p:cNvPr id="70" name="Shape 70"/>
+        <p:cNvPr id="69" name="Shape 69"/>
         <p:cNvGrpSpPr/>
         <p:nvPr/>
       </p:nvGrpSpPr>
@@ -929,7 +932,7 @@
       </p:grpSpPr>
       <p:sp>
         <p:nvSpPr>
-          <p:cNvPr id="71" name="Google Shape;71;g3852c44a4f6_0_58:notes"/>
+          <p:cNvPr id="70" name="Google Shape;70;g37e5a1f7125_1_0:notes"/>
           <p:cNvSpPr/>
           <p:nvPr>
             <p:ph idx="2" type="sldImg"/>
@@ -964,7 +967,7 @@
       </p:sp>
       <p:sp>
         <p:nvSpPr>
-          <p:cNvPr id="72" name="Google Shape;72;g3852c44a4f6_0_58:notes"/>
+          <p:cNvPr id="71" name="Google Shape;71;g37e5a1f7125_1_0:notes"/>
           <p:cNvSpPr txBox="1"/>
           <p:nvPr>
             <p:ph idx="1" type="body"/>
@@ -1028,7 +1031,7 @@
       </p:grpSpPr>
       <p:sp>
         <p:nvSpPr>
-          <p:cNvPr id="78" name="Google Shape;78;g3852c44a4f6_0_63:notes"/>
+          <p:cNvPr id="78" name="Google Shape;78;g3852c44a4f6_0_0:notes"/>
           <p:cNvSpPr/>
           <p:nvPr>
             <p:ph idx="2" type="sldImg"/>
@@ -1063,7 +1066,304 @@
       </p:sp>
       <p:sp>
         <p:nvSpPr>
-          <p:cNvPr id="79" name="Google Shape;79;g3852c44a4f6_0_63:notes"/>
+          <p:cNvPr id="79" name="Google Shape;79;g3852c44a4f6_0_0:notes"/>
+          <p:cNvSpPr txBox="1"/>
+          <p:nvPr>
+            <p:ph idx="1" type="body"/>
+          </p:nvPr>
+        </p:nvSpPr>
+        <p:spPr>
+          <a:xfrm>
+            <a:off x="685800" y="4343400"/>
+            <a:ext cx="5486400" cy="4114800"/>
+          </a:xfrm>
+          <a:prstGeom prst="rect">
+            <a:avLst/>
+          </a:prstGeom>
+        </p:spPr>
+        <p:txBody>
+          <a:bodyPr anchorCtr="0" anchor="t" bIns="91425" lIns="91425" spcFirstLastPara="1" rIns="91425" wrap="square" tIns="91425">
+            <a:noAutofit/>
+          </a:bodyPr>
+          <a:lstStyle/>
+          <a:p>
+            <a:pPr indent="0" lvl="0" marL="0" rtl="0" algn="l">
+              <a:spcBef>
+                <a:spcPts val="0"/>
+              </a:spcBef>
+              <a:spcAft>
+                <a:spcPts val="0"/>
+              </a:spcAft>
+              <a:buNone/>
+            </a:pPr>
+            <a:r>
+              <a:t/>
+            </a:r>
+            <a:endParaRPr/>
+          </a:p>
+        </p:txBody>
+      </p:sp>
+    </p:spTree>
+  </p:cSld>
+  <p:clrMapOvr>
+    <a:masterClrMapping/>
+  </p:clrMapOvr>
+</p:notes>
+</file>
+
+<file path=ppt/notesSlides/notesSlide5.xml><?xml version="1.0" encoding="utf-8"?>
+<p:notes xmlns:a="http://schemas.openxmlformats.org/drawingml/2006/main" xmlns:r="http://schemas.openxmlformats.org/officeDocument/2006/relationships" xmlns:mc="http://schemas.openxmlformats.org/markup-compatibility/2006" xmlns:mv="urn:schemas-microsoft-com:mac:vml" xmlns:p="http://schemas.openxmlformats.org/presentationml/2006/main" xmlns:c="http://schemas.openxmlformats.org/drawingml/2006/chart" xmlns:dgm="http://schemas.openxmlformats.org/drawingml/2006/diagram" xmlns:o="urn:schemas-microsoft-com:office:office" xmlns:v="urn:schemas-microsoft-com:vml" xmlns:pvml="urn:schemas-microsoft-com:office:powerpoint" xmlns:com="http://schemas.openxmlformats.org/drawingml/2006/compatibility" xmlns:p14="http://schemas.microsoft.com/office/powerpoint/2010/main" xmlns:p15="http://schemas.microsoft.com/office/powerpoint/2012/main" xmlns:ahyp="http://schemas.microsoft.com/office/drawing/2018/hyperlinkcolor" showMasterPhAnim="0" showMasterSp="0">
+  <p:cSld>
+    <p:spTree>
+      <p:nvGrpSpPr>
+        <p:cNvPr id="86" name="Shape 86"/>
+        <p:cNvGrpSpPr/>
+        <p:nvPr/>
+      </p:nvGrpSpPr>
+      <p:grpSpPr>
+        <a:xfrm>
+          <a:off x="0" y="0"/>
+          <a:ext cx="0" cy="0"/>
+          <a:chOff x="0" y="0"/>
+          <a:chExt cx="0" cy="0"/>
+        </a:xfrm>
+      </p:grpSpPr>
+      <p:sp>
+        <p:nvSpPr>
+          <p:cNvPr id="87" name="Google Shape;87;g3852c44a4f6_0_58:notes"/>
+          <p:cNvSpPr/>
+          <p:nvPr>
+            <p:ph idx="2" type="sldImg"/>
+          </p:nvPr>
+        </p:nvSpPr>
+        <p:spPr>
+          <a:xfrm>
+            <a:off x="381300" y="685800"/>
+            <a:ext cx="6096000" cy="3429000"/>
+          </a:xfrm>
+          <a:custGeom>
+            <a:rect b="b" l="l" r="r" t="t"/>
+            <a:pathLst>
+              <a:path extrusionOk="0" h="120000" w="120000">
+                <a:moveTo>
+                  <a:pt x="0" y="0"/>
+                </a:moveTo>
+                <a:lnTo>
+                  <a:pt x="120000" y="0"/>
+                </a:lnTo>
+                <a:lnTo>
+                  <a:pt x="120000" y="120000"/>
+                </a:lnTo>
+                <a:lnTo>
+                  <a:pt x="0" y="120000"/>
+                </a:lnTo>
+                <a:close/>
+              </a:path>
+            </a:pathLst>
+          </a:custGeom>
+        </p:spPr>
+      </p:sp>
+      <p:sp>
+        <p:nvSpPr>
+          <p:cNvPr id="88" name="Google Shape;88;g3852c44a4f6_0_58:notes"/>
+          <p:cNvSpPr txBox="1"/>
+          <p:nvPr>
+            <p:ph idx="1" type="body"/>
+          </p:nvPr>
+        </p:nvSpPr>
+        <p:spPr>
+          <a:xfrm>
+            <a:off x="685800" y="4343400"/>
+            <a:ext cx="5486400" cy="4114800"/>
+          </a:xfrm>
+          <a:prstGeom prst="rect">
+            <a:avLst/>
+          </a:prstGeom>
+        </p:spPr>
+        <p:txBody>
+          <a:bodyPr anchorCtr="0" anchor="t" bIns="91425" lIns="91425" spcFirstLastPara="1" rIns="91425" wrap="square" tIns="91425">
+            <a:noAutofit/>
+          </a:bodyPr>
+          <a:lstStyle/>
+          <a:p>
+            <a:pPr indent="0" lvl="0" marL="0" rtl="0" algn="l">
+              <a:spcBef>
+                <a:spcPts val="0"/>
+              </a:spcBef>
+              <a:spcAft>
+                <a:spcPts val="0"/>
+              </a:spcAft>
+              <a:buNone/>
+            </a:pPr>
+            <a:r>
+              <a:t/>
+            </a:r>
+            <a:endParaRPr/>
+          </a:p>
+        </p:txBody>
+      </p:sp>
+    </p:spTree>
+  </p:cSld>
+  <p:clrMapOvr>
+    <a:masterClrMapping/>
+  </p:clrMapOvr>
+</p:notes>
+</file>
+
+<file path=ppt/notesSlides/notesSlide6.xml><?xml version="1.0" encoding="utf-8"?>
+<p:notes xmlns:a="http://schemas.openxmlformats.org/drawingml/2006/main" xmlns:r="http://schemas.openxmlformats.org/officeDocument/2006/relationships" xmlns:mc="http://schemas.openxmlformats.org/markup-compatibility/2006" xmlns:mv="urn:schemas-microsoft-com:mac:vml" xmlns:p="http://schemas.openxmlformats.org/presentationml/2006/main" xmlns:c="http://schemas.openxmlformats.org/drawingml/2006/chart" xmlns:dgm="http://schemas.openxmlformats.org/drawingml/2006/diagram" xmlns:o="urn:schemas-microsoft-com:office:office" xmlns:v="urn:schemas-microsoft-com:vml" xmlns:pvml="urn:schemas-microsoft-com:office:powerpoint" xmlns:com="http://schemas.openxmlformats.org/drawingml/2006/compatibility" xmlns:p14="http://schemas.microsoft.com/office/powerpoint/2010/main" xmlns:p15="http://schemas.microsoft.com/office/powerpoint/2012/main" xmlns:ahyp="http://schemas.microsoft.com/office/drawing/2018/hyperlinkcolor" showMasterPhAnim="0" showMasterSp="0">
+  <p:cSld>
+    <p:spTree>
+      <p:nvGrpSpPr>
+        <p:cNvPr id="94" name="Shape 94"/>
+        <p:cNvGrpSpPr/>
+        <p:nvPr/>
+      </p:nvGrpSpPr>
+      <p:grpSpPr>
+        <a:xfrm>
+          <a:off x="0" y="0"/>
+          <a:ext cx="0" cy="0"/>
+          <a:chOff x="0" y="0"/>
+          <a:chExt cx="0" cy="0"/>
+        </a:xfrm>
+      </p:grpSpPr>
+      <p:sp>
+        <p:nvSpPr>
+          <p:cNvPr id="95" name="Google Shape;95;g3852c44a4f6_0_63:notes"/>
+          <p:cNvSpPr/>
+          <p:nvPr>
+            <p:ph idx="2" type="sldImg"/>
+          </p:nvPr>
+        </p:nvSpPr>
+        <p:spPr>
+          <a:xfrm>
+            <a:off x="381300" y="685800"/>
+            <a:ext cx="6096000" cy="3429000"/>
+          </a:xfrm>
+          <a:custGeom>
+            <a:rect b="b" l="l" r="r" t="t"/>
+            <a:pathLst>
+              <a:path extrusionOk="0" h="120000" w="120000">
+                <a:moveTo>
+                  <a:pt x="0" y="0"/>
+                </a:moveTo>
+                <a:lnTo>
+                  <a:pt x="120000" y="0"/>
+                </a:lnTo>
+                <a:lnTo>
+                  <a:pt x="120000" y="120000"/>
+                </a:lnTo>
+                <a:lnTo>
+                  <a:pt x="0" y="120000"/>
+                </a:lnTo>
+                <a:close/>
+              </a:path>
+            </a:pathLst>
+          </a:custGeom>
+        </p:spPr>
+      </p:sp>
+      <p:sp>
+        <p:nvSpPr>
+          <p:cNvPr id="96" name="Google Shape;96;g3852c44a4f6_0_63:notes"/>
+          <p:cNvSpPr txBox="1"/>
+          <p:nvPr>
+            <p:ph idx="1" type="body"/>
+          </p:nvPr>
+        </p:nvSpPr>
+        <p:spPr>
+          <a:xfrm>
+            <a:off x="685800" y="4343400"/>
+            <a:ext cx="5486400" cy="4114800"/>
+          </a:xfrm>
+          <a:prstGeom prst="rect">
+            <a:avLst/>
+          </a:prstGeom>
+        </p:spPr>
+        <p:txBody>
+          <a:bodyPr anchorCtr="0" anchor="t" bIns="91425" lIns="91425" spcFirstLastPara="1" rIns="91425" wrap="square" tIns="91425">
+            <a:noAutofit/>
+          </a:bodyPr>
+          <a:lstStyle/>
+          <a:p>
+            <a:pPr indent="0" lvl="0" marL="0" rtl="0" algn="l">
+              <a:spcBef>
+                <a:spcPts val="0"/>
+              </a:spcBef>
+              <a:spcAft>
+                <a:spcPts val="0"/>
+              </a:spcAft>
+              <a:buNone/>
+            </a:pPr>
+            <a:r>
+              <a:t/>
+            </a:r>
+            <a:endParaRPr/>
+          </a:p>
+        </p:txBody>
+      </p:sp>
+    </p:spTree>
+  </p:cSld>
+  <p:clrMapOvr>
+    <a:masterClrMapping/>
+  </p:clrMapOvr>
+</p:notes>
+</file>
+
+<file path=ppt/notesSlides/notesSlide7.xml><?xml version="1.0" encoding="utf-8"?>
+<p:notes xmlns:a="http://schemas.openxmlformats.org/drawingml/2006/main" xmlns:r="http://schemas.openxmlformats.org/officeDocument/2006/relationships" xmlns:mc="http://schemas.openxmlformats.org/markup-compatibility/2006" xmlns:mv="urn:schemas-microsoft-com:mac:vml" xmlns:p="http://schemas.openxmlformats.org/presentationml/2006/main" xmlns:c="http://schemas.openxmlformats.org/drawingml/2006/chart" xmlns:dgm="http://schemas.openxmlformats.org/drawingml/2006/diagram" xmlns:o="urn:schemas-microsoft-com:office:office" xmlns:v="urn:schemas-microsoft-com:vml" xmlns:pvml="urn:schemas-microsoft-com:office:powerpoint" xmlns:com="http://schemas.openxmlformats.org/drawingml/2006/compatibility" xmlns:p14="http://schemas.microsoft.com/office/powerpoint/2010/main" xmlns:p15="http://schemas.microsoft.com/office/powerpoint/2012/main" xmlns:ahyp="http://schemas.microsoft.com/office/drawing/2018/hyperlinkcolor" showMasterPhAnim="0" showMasterSp="0">
+  <p:cSld>
+    <p:spTree>
+      <p:nvGrpSpPr>
+        <p:cNvPr id="106" name="Shape 106"/>
+        <p:cNvGrpSpPr/>
+        <p:nvPr/>
+      </p:nvGrpSpPr>
+      <p:grpSpPr>
+        <a:xfrm>
+          <a:off x="0" y="0"/>
+          <a:ext cx="0" cy="0"/>
+          <a:chOff x="0" y="0"/>
+          <a:chExt cx="0" cy="0"/>
+        </a:xfrm>
+      </p:grpSpPr>
+      <p:sp>
+        <p:nvSpPr>
+          <p:cNvPr id="107" name="Google Shape;107;g37e5a1f7125_0_21:notes"/>
+          <p:cNvSpPr/>
+          <p:nvPr>
+            <p:ph idx="2" type="sldImg"/>
+          </p:nvPr>
+        </p:nvSpPr>
+        <p:spPr>
+          <a:xfrm>
+            <a:off x="381300" y="685800"/>
+            <a:ext cx="6096000" cy="3429000"/>
+          </a:xfrm>
+          <a:custGeom>
+            <a:rect b="b" l="l" r="r" t="t"/>
+            <a:pathLst>
+              <a:path extrusionOk="0" h="120000" w="120000">
+                <a:moveTo>
+                  <a:pt x="0" y="0"/>
+                </a:moveTo>
+                <a:lnTo>
+                  <a:pt x="120000" y="0"/>
+                </a:lnTo>
+                <a:lnTo>
+                  <a:pt x="120000" y="120000"/>
+                </a:lnTo>
+                <a:lnTo>
+                  <a:pt x="0" y="120000"/>
+                </a:lnTo>
+                <a:close/>
+              </a:path>
+            </a:pathLst>
+          </a:custGeom>
+        </p:spPr>
+      </p:sp>
+      <p:sp>
+        <p:nvSpPr>
+          <p:cNvPr id="108" name="Google Shape;108;g37e5a1f7125_0_21:notes"/>
           <p:cNvSpPr txBox="1"/>
           <p:nvPr>
             <p:ph idx="1" type="body"/>
@@ -6828,7 +7128,7 @@
                 <a:cs typeface="Lato Light"/>
                 <a:sym typeface="Lato Light"/>
               </a:rPr>
-              <a:t>Francisa Espinosa, Felipe González</a:t>
+              <a:t>Francisca Espinosa, Felipe González</a:t>
             </a:r>
             <a:endParaRPr sz="1200"/>
           </a:p>
@@ -6873,7 +7173,7 @@
                 <a:cs typeface="Lato"/>
                 <a:sym typeface="Lato"/>
               </a:rPr>
-              <a:t>Reencontrando mascotas y dueños</a:t>
+              <a:t>Reencontrando mascotas con sus dueños</a:t>
             </a:r>
             <a:endParaRPr b="0" i="1">
               <a:latin typeface="Lato"/>
@@ -6943,7 +7243,7 @@
             </a:pPr>
             <a:r>
               <a:rPr lang="es"/>
-              <a:t>¿Qué es?</a:t>
+              <a:t>¿Qué queremos resolver?</a:t>
             </a:r>
             <a:endParaRPr/>
           </a:p>
@@ -6953,37 +7253,137 @@
         <p:nvSpPr>
           <p:cNvPr id="66" name="Google Shape;66;p14"/>
           <p:cNvSpPr txBox="1"/>
-          <p:nvPr>
-            <p:ph idx="1" type="body"/>
-          </p:nvPr>
+          <p:nvPr/>
         </p:nvSpPr>
         <p:spPr>
           <a:xfrm>
-            <a:off x="343175" y="1152475"/>
-            <a:ext cx="4260300" cy="3416400"/>
+            <a:off x="2441725" y="1264600"/>
+            <a:ext cx="4260300" cy="1431600"/>
           </a:xfrm>
           <a:prstGeom prst="rect">
             <a:avLst/>
           </a:prstGeom>
+          <a:noFill/>
+          <a:ln>
+            <a:noFill/>
+          </a:ln>
         </p:spPr>
         <p:txBody>
-          <a:bodyPr anchorCtr="0" anchor="b" bIns="91425" lIns="91425" spcFirstLastPara="1" rIns="91425" wrap="square" tIns="91425">
-            <a:normAutofit/>
+          <a:bodyPr anchorCtr="0" anchor="t" bIns="91425" lIns="91425" spcFirstLastPara="1" rIns="91425" wrap="square" tIns="91425">
+            <a:spAutoFit/>
           </a:bodyPr>
           <a:lstStyle/>
           <a:p>
             <a:pPr indent="0" lvl="0" marL="0" rtl="0" algn="ctr">
-              <a:spcBef>
-                <a:spcPts val="0"/>
-              </a:spcBef>
-              <a:spcAft>
-                <a:spcPts val="1200"/>
+              <a:lnSpc>
+                <a:spcPct val="115000"/>
+              </a:lnSpc>
+              <a:spcBef>
+                <a:spcPts val="0"/>
+              </a:spcBef>
+              <a:spcAft>
+                <a:spcPts val="0"/>
               </a:spcAft>
               <a:buNone/>
             </a:pPr>
             <a:r>
-              <a:rPr lang="es"/>
-              <a:t>Aplicación Móvil</a:t>
+              <a:rPr lang="es" sz="1200">
+                <a:solidFill>
+                  <a:schemeClr val="dk2"/>
+                </a:solidFill>
+                <a:latin typeface="Lato"/>
+                <a:ea typeface="Lato"/>
+                <a:cs typeface="Lato"/>
+                <a:sym typeface="Lato"/>
+              </a:rPr>
+              <a:t>La falta de un sistema eficiente para el reencuentro de dueños con sus mascotas debido a que los procesos actuales de búsqueda son lentos, dispersos y a veces poco efectivos</a:t>
+            </a:r>
+            <a:endParaRPr sz="1200">
+              <a:solidFill>
+                <a:schemeClr val="dk2"/>
+              </a:solidFill>
+              <a:latin typeface="Lato"/>
+              <a:ea typeface="Lato"/>
+              <a:cs typeface="Lato"/>
+              <a:sym typeface="Lato"/>
+            </a:endParaRPr>
+          </a:p>
+          <a:p>
+            <a:pPr indent="0" lvl="0" marL="457200" rtl="0" algn="l">
+              <a:lnSpc>
+                <a:spcPct val="115000"/>
+              </a:lnSpc>
+              <a:spcBef>
+                <a:spcPts val="0"/>
+              </a:spcBef>
+              <a:spcAft>
+                <a:spcPts val="0"/>
+              </a:spcAft>
+              <a:buNone/>
+            </a:pPr>
+            <a:r>
+              <a:t/>
+            </a:r>
+            <a:endParaRPr sz="1200">
+              <a:solidFill>
+                <a:schemeClr val="dk2"/>
+              </a:solidFill>
+              <a:latin typeface="Lato"/>
+              <a:ea typeface="Lato"/>
+              <a:cs typeface="Lato"/>
+              <a:sym typeface="Lato"/>
+            </a:endParaRPr>
+          </a:p>
+          <a:p>
+            <a:pPr indent="0" lvl="0" marL="457200" rtl="0" algn="ctr">
+              <a:lnSpc>
+                <a:spcPct val="115000"/>
+              </a:lnSpc>
+              <a:spcBef>
+                <a:spcPts val="0"/>
+              </a:spcBef>
+              <a:spcAft>
+                <a:spcPts val="0"/>
+              </a:spcAft>
+              <a:buNone/>
+            </a:pPr>
+            <a:r>
+              <a:t/>
+            </a:r>
+            <a:endParaRPr sz="1200">
+              <a:solidFill>
+                <a:schemeClr val="dk2"/>
+              </a:solidFill>
+              <a:latin typeface="Lato"/>
+              <a:ea typeface="Lato"/>
+              <a:cs typeface="Lato"/>
+              <a:sym typeface="Lato"/>
+            </a:endParaRPr>
+          </a:p>
+          <a:p>
+            <a:pPr indent="0" lvl="0" marL="0" rtl="0" algn="ctr">
+              <a:lnSpc>
+                <a:spcPct val="115000"/>
+              </a:lnSpc>
+              <a:spcBef>
+                <a:spcPts val="0"/>
+              </a:spcBef>
+              <a:spcAft>
+                <a:spcPts val="0"/>
+              </a:spcAft>
+              <a:buNone/>
+            </a:pPr>
+            <a:r>
+              <a:rPr lang="es" sz="1200">
+                <a:solidFill>
+                  <a:schemeClr val="dk2"/>
+                </a:solidFill>
+                <a:latin typeface="Lato"/>
+                <a:ea typeface="Lato"/>
+                <a:cs typeface="Lato"/>
+                <a:sym typeface="Lato"/>
+              </a:rPr>
+              <a:t> </a:t>
             </a:r>
             <a:endParaRPr/>
           </a:p>
@@ -6993,60 +7393,12 @@
         <p:nvSpPr>
           <p:cNvPr id="67" name="Google Shape;67;p14"/>
           <p:cNvSpPr txBox="1"/>
-          <p:nvPr>
-            <p:ph idx="1" type="body"/>
-          </p:nvPr>
+          <p:nvPr/>
         </p:nvSpPr>
         <p:spPr>
           <a:xfrm>
-            <a:off x="4603475" y="1152475"/>
-            <a:ext cx="4260300" cy="3416400"/>
-          </a:xfrm>
-          <a:prstGeom prst="rect">
-            <a:avLst/>
-          </a:prstGeom>
-        </p:spPr>
-        <p:txBody>
-          <a:bodyPr anchorCtr="0" anchor="b" bIns="91425" lIns="91425" spcFirstLastPara="1" rIns="91425" wrap="square" tIns="91425">
-            <a:normAutofit/>
-          </a:bodyPr>
-          <a:lstStyle/>
-          <a:p>
-            <a:pPr indent="0" lvl="0" marL="0" rtl="0" algn="ctr">
-              <a:spcBef>
-                <a:spcPts val="0"/>
-              </a:spcBef>
-              <a:spcAft>
-                <a:spcPts val="1200"/>
-              </a:spcAft>
-              <a:buNone/>
-            </a:pPr>
-            <a:r>
-              <a:rPr lang="es"/>
-              <a:t>Servicio Web</a:t>
-            </a:r>
-            <a:endParaRPr/>
-          </a:p>
-        </p:txBody>
-      </p:sp>
-      <p:pic>
-        <p:nvPicPr>
-          <p:cNvPr id="68" name="Google Shape;68;p14"/>
-          <p:cNvPicPr preferRelativeResize="0"/>
-          <p:nvPr/>
-        </p:nvPicPr>
-        <p:blipFill>
-          <a:blip r:embed="rId3">
-            <a:alphaModFix/>
-          </a:blip>
-          <a:stretch>
-            <a:fillRect/>
-          </a:stretch>
-        </p:blipFill>
-        <p:spPr>
-          <a:xfrm>
-            <a:off x="1069425" y="1167850"/>
-            <a:ext cx="2807799" cy="2807799"/>
+            <a:off x="311575" y="2319225"/>
+            <a:ext cx="8520600" cy="623400"/>
           </a:xfrm>
           <a:prstGeom prst="rect">
             <a:avLst/>
@@ -7056,25 +7408,79 @@
             <a:noFill/>
           </a:ln>
         </p:spPr>
-      </p:pic>
-      <p:pic>
-        <p:nvPicPr>
-          <p:cNvPr id="69" name="Google Shape;69;p14"/>
-          <p:cNvPicPr preferRelativeResize="0"/>
+        <p:txBody>
+          <a:bodyPr anchorCtr="0" anchor="t" bIns="91425" lIns="91425" spcFirstLastPara="1" rIns="91425" wrap="square" tIns="91425">
+            <a:spAutoFit/>
+          </a:bodyPr>
+          <a:lstStyle/>
+          <a:p>
+            <a:pPr indent="0" lvl="0" marL="0" rtl="0" algn="ctr">
+              <a:spcBef>
+                <a:spcPts val="0"/>
+              </a:spcBef>
+              <a:spcAft>
+                <a:spcPts val="0"/>
+              </a:spcAft>
+              <a:buNone/>
+            </a:pPr>
+            <a:r>
+              <a:rPr b="1" lang="es" sz="2850">
+                <a:solidFill>
+                  <a:schemeClr val="dk1"/>
+                </a:solidFill>
+                <a:latin typeface="Playfair Display"/>
+                <a:ea typeface="Playfair Display"/>
+                <a:cs typeface="Playfair Display"/>
+                <a:sym typeface="Playfair Display"/>
+              </a:rPr>
+              <a:t>¿</a:t>
+            </a:r>
+            <a:r>
+              <a:rPr b="1" lang="es" sz="2850">
+                <a:solidFill>
+                  <a:schemeClr val="dk1"/>
+                </a:solidFill>
+                <a:latin typeface="Playfair Display"/>
+                <a:ea typeface="Playfair Display"/>
+                <a:cs typeface="Playfair Display"/>
+                <a:sym typeface="Playfair Display"/>
+              </a:rPr>
+              <a:t>Cómo</a:t>
+            </a:r>
+            <a:r>
+              <a:rPr b="1" lang="es" sz="2850">
+                <a:solidFill>
+                  <a:schemeClr val="dk1"/>
+                </a:solidFill>
+                <a:latin typeface="Playfair Display"/>
+                <a:ea typeface="Playfair Display"/>
+                <a:cs typeface="Playfair Display"/>
+                <a:sym typeface="Playfair Display"/>
+              </a:rPr>
+              <a:t> lo resolvemos ?</a:t>
+            </a:r>
+            <a:endParaRPr b="1" sz="2850">
+              <a:solidFill>
+                <a:schemeClr val="dk1"/>
+              </a:solidFill>
+              <a:latin typeface="Playfair Display"/>
+              <a:ea typeface="Playfair Display"/>
+              <a:cs typeface="Playfair Display"/>
+              <a:sym typeface="Playfair Display"/>
+            </a:endParaRPr>
+          </a:p>
+        </p:txBody>
+      </p:sp>
+      <p:sp>
+        <p:nvSpPr>
+          <p:cNvPr id="68" name="Google Shape;68;p14"/>
+          <p:cNvSpPr txBox="1"/>
           <p:nvPr/>
-        </p:nvPicPr>
-        <p:blipFill>
-          <a:blip r:embed="rId4">
-            <a:alphaModFix/>
-          </a:blip>
-          <a:stretch>
-            <a:fillRect/>
-          </a:stretch>
-        </p:blipFill>
+        </p:nvSpPr>
         <p:spPr>
           <a:xfrm>
-            <a:off x="5329725" y="1167850"/>
-            <a:ext cx="2807799" cy="2807799"/>
+            <a:off x="2441725" y="3360625"/>
+            <a:ext cx="4260300" cy="794100"/>
           </a:xfrm>
           <a:prstGeom prst="rect">
             <a:avLst/>
@@ -7084,7 +7490,88 @@
             <a:noFill/>
           </a:ln>
         </p:spPr>
-      </p:pic>
+        <p:txBody>
+          <a:bodyPr anchorCtr="0" anchor="t" bIns="91425" lIns="91425" spcFirstLastPara="1" rIns="91425" wrap="square" tIns="91425">
+            <a:spAutoFit/>
+          </a:bodyPr>
+          <a:lstStyle/>
+          <a:p>
+            <a:pPr indent="0" lvl="0" marL="0" rtl="0" algn="ctr">
+              <a:lnSpc>
+                <a:spcPct val="115000"/>
+              </a:lnSpc>
+              <a:spcBef>
+                <a:spcPts val="0"/>
+              </a:spcBef>
+              <a:spcAft>
+                <a:spcPts val="0"/>
+              </a:spcAft>
+              <a:buNone/>
+            </a:pPr>
+            <a:r>
+              <a:rPr lang="es" sz="1200">
+                <a:solidFill>
+                  <a:schemeClr val="dk2"/>
+                </a:solidFill>
+                <a:latin typeface="Lato"/>
+                <a:ea typeface="Lato"/>
+                <a:cs typeface="Lato"/>
+                <a:sym typeface="Lato"/>
+              </a:rPr>
+              <a:t>Proponemos una </a:t>
+            </a:r>
+            <a:r>
+              <a:rPr lang="es" sz="1200">
+                <a:solidFill>
+                  <a:schemeClr val="dk2"/>
+                </a:solidFill>
+                <a:latin typeface="Lato"/>
+                <a:ea typeface="Lato"/>
+                <a:cs typeface="Lato"/>
+                <a:sym typeface="Lato"/>
+              </a:rPr>
+              <a:t>solución</a:t>
+            </a:r>
+            <a:r>
+              <a:rPr lang="es" sz="1200">
+                <a:solidFill>
+                  <a:schemeClr val="dk2"/>
+                </a:solidFill>
+                <a:latin typeface="Lato"/>
+                <a:ea typeface="Lato"/>
+                <a:cs typeface="Lato"/>
+                <a:sym typeface="Lato"/>
+              </a:rPr>
+              <a:t> </a:t>
+            </a:r>
+            <a:r>
+              <a:rPr lang="es" sz="1200">
+                <a:solidFill>
+                  <a:schemeClr val="dk2"/>
+                </a:solidFill>
+                <a:latin typeface="Lato"/>
+                <a:ea typeface="Lato"/>
+                <a:cs typeface="Lato"/>
+                <a:sym typeface="Lato"/>
+              </a:rPr>
+              <a:t>tecnológica en la cual implementaremos geolocalización , reportes y notificación en tiempo real</a:t>
+            </a:r>
+            <a:r>
+              <a:rPr lang="es" sz="1200">
+                <a:solidFill>
+                  <a:schemeClr val="dk2"/>
+                </a:solidFill>
+                <a:latin typeface="Lato"/>
+                <a:ea typeface="Lato"/>
+                <a:cs typeface="Lato"/>
+                <a:sym typeface="Lato"/>
+              </a:rPr>
+              <a:t> </a:t>
+            </a:r>
+            <a:endParaRPr/>
+          </a:p>
+        </p:txBody>
+      </p:sp>
     </p:spTree>
   </p:cSld>
   <p:clrMapOvr>
@@ -7098,7 +7585,7 @@
   <p:cSld>
     <p:spTree>
       <p:nvGrpSpPr>
-        <p:cNvPr id="73" name="Shape 73"/>
+        <p:cNvPr id="72" name="Shape 72"/>
         <p:cNvGrpSpPr/>
         <p:nvPr/>
       </p:nvGrpSpPr>
@@ -7112,7 +7599,7 @@
       </p:grpSpPr>
       <p:sp>
         <p:nvSpPr>
-          <p:cNvPr id="74" name="Google Shape;74;p15"/>
+          <p:cNvPr id="73" name="Google Shape;73;p15"/>
           <p:cNvSpPr txBox="1"/>
           <p:nvPr>
             <p:ph type="title"/>
@@ -7144,7 +7631,60 @@
             </a:pPr>
             <a:r>
               <a:rPr lang="es"/>
-              <a:t>¿Para quién es?</a:t>
+              <a:t>Objetivo general </a:t>
+            </a:r>
+            <a:endParaRPr/>
+          </a:p>
+        </p:txBody>
+      </p:sp>
+      <p:sp>
+        <p:nvSpPr>
+          <p:cNvPr id="74" name="Google Shape;74;p15"/>
+          <p:cNvSpPr txBox="1"/>
+          <p:nvPr/>
+        </p:nvSpPr>
+        <p:spPr>
+          <a:xfrm>
+            <a:off x="2441725" y="1264600"/>
+            <a:ext cx="4260300" cy="581700"/>
+          </a:xfrm>
+          <a:prstGeom prst="rect">
+            <a:avLst/>
+          </a:prstGeom>
+          <a:noFill/>
+          <a:ln>
+            <a:noFill/>
+          </a:ln>
+        </p:spPr>
+        <p:txBody>
+          <a:bodyPr anchorCtr="0" anchor="t" bIns="91425" lIns="91425" spcFirstLastPara="1" rIns="91425" wrap="square" tIns="91425">
+            <a:spAutoFit/>
+          </a:bodyPr>
+          <a:lstStyle/>
+          <a:p>
+            <a:pPr indent="0" lvl="0" marL="0" rtl="0" algn="ctr">
+              <a:lnSpc>
+                <a:spcPct val="115000"/>
+              </a:lnSpc>
+              <a:spcBef>
+                <a:spcPts val="0"/>
+              </a:spcBef>
+              <a:spcAft>
+                <a:spcPts val="0"/>
+              </a:spcAft>
+              <a:buNone/>
+            </a:pPr>
+            <a:r>
+              <a:rPr lang="es" sz="1200">
+                <a:solidFill>
+                  <a:schemeClr val="dk2"/>
+                </a:solidFill>
+                <a:latin typeface="Lato"/>
+                <a:ea typeface="Lato"/>
+                <a:cs typeface="Lato"/>
+                <a:sym typeface="Lato"/>
+              </a:rPr>
+              <a:t>Facilitar el proceso de reunir a dueños de mascotas perdidas con ellas.</a:t>
             </a:r>
             <a:endParaRPr/>
           </a:p>
@@ -7154,92 +7694,12 @@
         <p:nvSpPr>
           <p:cNvPr id="75" name="Google Shape;75;p15"/>
           <p:cNvSpPr txBox="1"/>
-          <p:nvPr>
-            <p:ph idx="1" type="body"/>
-          </p:nvPr>
+          <p:nvPr/>
         </p:nvSpPr>
         <p:spPr>
           <a:xfrm>
-            <a:off x="311700" y="1152475"/>
-            <a:ext cx="8520600" cy="3416400"/>
-          </a:xfrm>
-          <a:prstGeom prst="rect">
-            <a:avLst/>
-          </a:prstGeom>
-        </p:spPr>
-        <p:txBody>
-          <a:bodyPr anchorCtr="0" anchor="b" bIns="91425" lIns="91425" spcFirstLastPara="1" rIns="91425" wrap="square" tIns="91425">
-            <a:normAutofit/>
-          </a:bodyPr>
-          <a:lstStyle/>
-          <a:p>
-            <a:pPr indent="0" lvl="0" marL="0" rtl="0" algn="ctr">
-              <a:spcBef>
-                <a:spcPts val="0"/>
-              </a:spcBef>
-              <a:spcAft>
-                <a:spcPts val="0"/>
-              </a:spcAft>
-              <a:buNone/>
-            </a:pPr>
-            <a:r>
-              <a:rPr lang="es"/>
-              <a:t>Dueños de mascotas</a:t>
-            </a:r>
-            <a:endParaRPr/>
-          </a:p>
-          <a:p>
-            <a:pPr indent="0" lvl="0" marL="0" rtl="0" algn="ctr">
-              <a:spcBef>
-                <a:spcPts val="1200"/>
-              </a:spcBef>
-              <a:spcAft>
-                <a:spcPts val="0"/>
-              </a:spcAft>
-              <a:buNone/>
-            </a:pPr>
-            <a:r>
-              <a:rPr lang="es" sz="1200"/>
-              <a:t>Quienes estén preocupados de que su</a:t>
-            </a:r>
-            <a:endParaRPr sz="1200"/>
-          </a:p>
-          <a:p>
-            <a:pPr indent="0" lvl="0" marL="0" rtl="0" algn="ctr">
-              <a:spcBef>
-                <a:spcPts val="0"/>
-              </a:spcBef>
-              <a:spcAft>
-                <a:spcPts val="0"/>
-              </a:spcAft>
-              <a:buNone/>
-            </a:pPr>
-            <a:r>
-              <a:rPr lang="es" sz="1200"/>
-              <a:t>mascota pueda perderse</a:t>
-            </a:r>
-            <a:endParaRPr sz="1200"/>
-          </a:p>
-        </p:txBody>
-      </p:sp>
-      <p:pic>
-        <p:nvPicPr>
-          <p:cNvPr id="76" name="Google Shape;76;p15"/>
-          <p:cNvPicPr preferRelativeResize="0"/>
-          <p:nvPr/>
-        </p:nvPicPr>
-        <p:blipFill>
-          <a:blip r:embed="rId3">
-            <a:alphaModFix/>
-          </a:blip>
-          <a:stretch>
-            <a:fillRect/>
-          </a:stretch>
-        </p:blipFill>
-        <p:spPr>
-          <a:xfrm>
-            <a:off x="3359026" y="1152475"/>
-            <a:ext cx="2425950" cy="2425950"/>
+            <a:off x="311575" y="2319225"/>
+            <a:ext cx="8520600" cy="1199400"/>
           </a:xfrm>
           <a:prstGeom prst="rect">
             <a:avLst/>
@@ -7249,7 +7709,297 @@
             <a:noFill/>
           </a:ln>
         </p:spPr>
-      </p:pic>
+        <p:txBody>
+          <a:bodyPr anchorCtr="0" anchor="t" bIns="91425" lIns="91425" spcFirstLastPara="1" rIns="91425" wrap="square" tIns="91425">
+            <a:spAutoFit/>
+          </a:bodyPr>
+          <a:lstStyle/>
+          <a:p>
+            <a:pPr indent="0" lvl="0" marL="0" rtl="0" algn="ctr">
+              <a:lnSpc>
+                <a:spcPct val="107916"/>
+              </a:lnSpc>
+              <a:spcBef>
+                <a:spcPts val="0"/>
+              </a:spcBef>
+              <a:spcAft>
+                <a:spcPts val="0"/>
+              </a:spcAft>
+              <a:buNone/>
+            </a:pPr>
+            <a:r>
+              <a:rPr b="1" lang="es" sz="2850">
+                <a:solidFill>
+                  <a:schemeClr val="dk1"/>
+                </a:solidFill>
+                <a:latin typeface="Playfair Display"/>
+                <a:ea typeface="Playfair Display"/>
+                <a:cs typeface="Playfair Display"/>
+                <a:sym typeface="Playfair Display"/>
+              </a:rPr>
+              <a:t>Objetivos específicos</a:t>
+            </a:r>
+            <a:endParaRPr b="1" sz="2850">
+              <a:solidFill>
+                <a:schemeClr val="dk1"/>
+              </a:solidFill>
+              <a:latin typeface="Playfair Display"/>
+              <a:ea typeface="Playfair Display"/>
+              <a:cs typeface="Playfair Display"/>
+              <a:sym typeface="Playfair Display"/>
+            </a:endParaRPr>
+          </a:p>
+          <a:p>
+            <a:pPr indent="0" lvl="0" marL="0" rtl="0" algn="ctr">
+              <a:spcBef>
+                <a:spcPts val="800"/>
+              </a:spcBef>
+              <a:spcAft>
+                <a:spcPts val="0"/>
+              </a:spcAft>
+              <a:buNone/>
+            </a:pPr>
+            <a:r>
+              <a:t/>
+            </a:r>
+            <a:endParaRPr b="1" sz="2850">
+              <a:solidFill>
+                <a:schemeClr val="dk1"/>
+              </a:solidFill>
+              <a:latin typeface="Playfair Display"/>
+              <a:ea typeface="Playfair Display"/>
+              <a:cs typeface="Playfair Display"/>
+              <a:sym typeface="Playfair Display"/>
+            </a:endParaRPr>
+          </a:p>
+        </p:txBody>
+      </p:sp>
+      <p:sp>
+        <p:nvSpPr>
+          <p:cNvPr id="76" name="Google Shape;76;p15"/>
+          <p:cNvSpPr txBox="1"/>
+          <p:nvPr/>
+        </p:nvSpPr>
+        <p:spPr>
+          <a:xfrm>
+            <a:off x="1289425" y="3011550"/>
+            <a:ext cx="6632400" cy="1218900"/>
+          </a:xfrm>
+          <a:prstGeom prst="rect">
+            <a:avLst/>
+          </a:prstGeom>
+          <a:noFill/>
+          <a:ln>
+            <a:noFill/>
+          </a:ln>
+        </p:spPr>
+        <p:txBody>
+          <a:bodyPr anchorCtr="0" anchor="t" bIns="91425" lIns="91425" spcFirstLastPara="1" rIns="91425" wrap="square" tIns="91425">
+            <a:spAutoFit/>
+          </a:bodyPr>
+          <a:lstStyle/>
+          <a:p>
+            <a:pPr indent="-304800" lvl="0" marL="457200" rtl="0" algn="l">
+              <a:lnSpc>
+                <a:spcPct val="115000"/>
+              </a:lnSpc>
+              <a:spcBef>
+                <a:spcPts val="0"/>
+              </a:spcBef>
+              <a:spcAft>
+                <a:spcPts val="0"/>
+              </a:spcAft>
+              <a:buClr>
+                <a:schemeClr val="dk2"/>
+              </a:buClr>
+              <a:buSzPts val="1200"/>
+              <a:buFont typeface="Lato"/>
+              <a:buChar char="●"/>
+            </a:pPr>
+            <a:r>
+              <a:rPr lang="es" sz="1200">
+                <a:solidFill>
+                  <a:schemeClr val="dk2"/>
+                </a:solidFill>
+                <a:latin typeface="Lato"/>
+                <a:ea typeface="Lato"/>
+                <a:cs typeface="Lato"/>
+                <a:sym typeface="Lato"/>
+              </a:rPr>
+              <a:t>Desarrollar una aplicación que facilite reunir a los dueños con sus mascotas.</a:t>
+            </a:r>
+            <a:endParaRPr sz="1200">
+              <a:solidFill>
+                <a:schemeClr val="dk2"/>
+              </a:solidFill>
+              <a:latin typeface="Lato"/>
+              <a:ea typeface="Lato"/>
+              <a:cs typeface="Lato"/>
+              <a:sym typeface="Lato"/>
+            </a:endParaRPr>
+          </a:p>
+          <a:p>
+            <a:pPr indent="-304800" lvl="0" marL="457200" rtl="0" algn="l">
+              <a:lnSpc>
+                <a:spcPct val="115000"/>
+              </a:lnSpc>
+              <a:spcBef>
+                <a:spcPts val="0"/>
+              </a:spcBef>
+              <a:spcAft>
+                <a:spcPts val="0"/>
+              </a:spcAft>
+              <a:buClr>
+                <a:schemeClr val="dk2"/>
+              </a:buClr>
+              <a:buSzPts val="1200"/>
+              <a:buFont typeface="Lato"/>
+              <a:buChar char="●"/>
+            </a:pPr>
+            <a:r>
+              <a:rPr lang="es" sz="1200">
+                <a:solidFill>
+                  <a:schemeClr val="dk2"/>
+                </a:solidFill>
+                <a:latin typeface="Lato"/>
+                <a:ea typeface="Lato"/>
+                <a:cs typeface="Lato"/>
+                <a:sym typeface="Lato"/>
+              </a:rPr>
+              <a:t>Implementar el registro y reporte de mascotas extraviadas.</a:t>
+            </a:r>
+            <a:endParaRPr sz="1200">
+              <a:solidFill>
+                <a:schemeClr val="dk2"/>
+              </a:solidFill>
+              <a:latin typeface="Lato"/>
+              <a:ea typeface="Lato"/>
+              <a:cs typeface="Lato"/>
+              <a:sym typeface="Lato"/>
+            </a:endParaRPr>
+          </a:p>
+          <a:p>
+            <a:pPr indent="-304800" lvl="0" marL="457200" rtl="0" algn="l">
+              <a:lnSpc>
+                <a:spcPct val="115000"/>
+              </a:lnSpc>
+              <a:spcBef>
+                <a:spcPts val="0"/>
+              </a:spcBef>
+              <a:spcAft>
+                <a:spcPts val="0"/>
+              </a:spcAft>
+              <a:buClr>
+                <a:schemeClr val="dk2"/>
+              </a:buClr>
+              <a:buSzPts val="1200"/>
+              <a:buFont typeface="Lato"/>
+              <a:buChar char="●"/>
+            </a:pPr>
+            <a:r>
+              <a:rPr lang="es" sz="1200">
+                <a:solidFill>
+                  <a:schemeClr val="dk2"/>
+                </a:solidFill>
+                <a:latin typeface="Lato"/>
+                <a:ea typeface="Lato"/>
+                <a:cs typeface="Lato"/>
+                <a:sym typeface="Lato"/>
+              </a:rPr>
+              <a:t>Implementar un sistema de notificacion y mensajeria segura para reportar al dueño</a:t>
+            </a:r>
+            <a:endParaRPr sz="1200">
+              <a:solidFill>
+                <a:schemeClr val="dk2"/>
+              </a:solidFill>
+              <a:latin typeface="Lato"/>
+              <a:ea typeface="Lato"/>
+              <a:cs typeface="Lato"/>
+              <a:sym typeface="Lato"/>
+            </a:endParaRPr>
+          </a:p>
+          <a:p>
+            <a:pPr indent="-304800" lvl="0" marL="457200" rtl="0" algn="l">
+              <a:lnSpc>
+                <a:spcPct val="115000"/>
+              </a:lnSpc>
+              <a:spcBef>
+                <a:spcPts val="0"/>
+              </a:spcBef>
+              <a:spcAft>
+                <a:spcPts val="0"/>
+              </a:spcAft>
+              <a:buClr>
+                <a:schemeClr val="dk2"/>
+              </a:buClr>
+              <a:buSzPts val="1200"/>
+              <a:buFont typeface="Lato"/>
+              <a:buChar char="●"/>
+            </a:pPr>
+            <a:r>
+              <a:rPr lang="es" sz="1200">
+                <a:solidFill>
+                  <a:schemeClr val="dk2"/>
+                </a:solidFill>
+                <a:latin typeface="Lato"/>
+                <a:ea typeface="Lato"/>
+                <a:cs typeface="Lato"/>
+                <a:sym typeface="Lato"/>
+              </a:rPr>
+              <a:t>Integrar funciones de geolocalización en tiempo real y lector de QR.</a:t>
+            </a:r>
+            <a:endParaRPr sz="1200">
+              <a:solidFill>
+                <a:schemeClr val="dk2"/>
+              </a:solidFill>
+              <a:latin typeface="Lato"/>
+              <a:ea typeface="Lato"/>
+              <a:cs typeface="Lato"/>
+              <a:sym typeface="Lato"/>
+            </a:endParaRPr>
+          </a:p>
+          <a:p>
+            <a:pPr indent="-304800" lvl="0" marL="457200" rtl="0" algn="l">
+              <a:lnSpc>
+                <a:spcPct val="115000"/>
+              </a:lnSpc>
+              <a:spcBef>
+                <a:spcPts val="0"/>
+              </a:spcBef>
+              <a:spcAft>
+                <a:spcPts val="0"/>
+              </a:spcAft>
+              <a:buClr>
+                <a:schemeClr val="dk2"/>
+              </a:buClr>
+              <a:buSzPts val="1200"/>
+              <a:buFont typeface="Lato"/>
+              <a:buChar char="●"/>
+            </a:pPr>
+            <a:r>
+              <a:rPr lang="es" sz="1200">
+                <a:solidFill>
+                  <a:schemeClr val="dk2"/>
+                </a:solidFill>
+                <a:latin typeface="Lato"/>
+                <a:ea typeface="Lato"/>
+                <a:cs typeface="Lato"/>
+                <a:sym typeface="Lato"/>
+              </a:rPr>
+              <a:t>Implementar mapa interactivo para visualización de veterinarias, fundaciones y refugios.  </a:t>
+            </a:r>
+            <a:endParaRPr sz="1200">
+              <a:solidFill>
+                <a:schemeClr val="dk2"/>
+              </a:solidFill>
+              <a:latin typeface="Lato"/>
+              <a:ea typeface="Lato"/>
+              <a:cs typeface="Lato"/>
+              <a:sym typeface="Lato"/>
+            </a:endParaRPr>
+          </a:p>
+        </p:txBody>
+      </p:sp>
     </p:spTree>
   </p:cSld>
   <p:clrMapOvr>
@@ -7309,7 +8059,7 @@
             </a:pPr>
             <a:r>
               <a:rPr lang="es"/>
-              <a:t>¿Cómo funciona?</a:t>
+              <a:t>¿Qué es?</a:t>
             </a:r>
             <a:endParaRPr/>
           </a:p>
@@ -7325,8 +8075,8 @@
         </p:nvSpPr>
         <p:spPr>
           <a:xfrm>
-            <a:off x="809975" y="1911125"/>
-            <a:ext cx="3502500" cy="684300"/>
+            <a:off x="343175" y="1152475"/>
+            <a:ext cx="4260300" cy="3416400"/>
           </a:xfrm>
           <a:prstGeom prst="rect">
             <a:avLst/>
@@ -7349,7 +8099,7 @@
             </a:pPr>
             <a:r>
               <a:rPr lang="es"/>
-              <a:t>Registra tu mascota</a:t>
+              <a:t>Aplicación Móvil</a:t>
             </a:r>
             <a:endParaRPr/>
           </a:p>
@@ -7365,8 +8115,8 @@
         </p:nvSpPr>
         <p:spPr>
           <a:xfrm>
-            <a:off x="4312475" y="1969300"/>
-            <a:ext cx="4260300" cy="626100"/>
+            <a:off x="4603475" y="1152475"/>
+            <a:ext cx="4260300" cy="3416400"/>
           </a:xfrm>
           <a:prstGeom prst="rect">
             <a:avLst/>
@@ -7389,7 +8139,349 @@
             </a:pPr>
             <a:r>
               <a:rPr lang="es"/>
-              <a:t>Reporta una mascota</a:t>
+              <a:t>Servicio Web</a:t>
+            </a:r>
+            <a:endParaRPr/>
+          </a:p>
+        </p:txBody>
+      </p:sp>
+      <p:pic>
+        <p:nvPicPr>
+          <p:cNvPr id="84" name="Google Shape;84;p16"/>
+          <p:cNvPicPr preferRelativeResize="0"/>
+          <p:nvPr/>
+        </p:nvPicPr>
+        <p:blipFill>
+          <a:blip r:embed="rId3">
+            <a:alphaModFix/>
+          </a:blip>
+          <a:stretch>
+            <a:fillRect/>
+          </a:stretch>
+        </p:blipFill>
+        <p:spPr>
+          <a:xfrm>
+            <a:off x="1069425" y="1167850"/>
+            <a:ext cx="2807799" cy="2807799"/>
+          </a:xfrm>
+          <a:prstGeom prst="rect">
+            <a:avLst/>
+          </a:prstGeom>
+          <a:noFill/>
+          <a:ln>
+            <a:noFill/>
+          </a:ln>
+        </p:spPr>
+      </p:pic>
+      <p:pic>
+        <p:nvPicPr>
+          <p:cNvPr id="85" name="Google Shape;85;p16"/>
+          <p:cNvPicPr preferRelativeResize="0"/>
+          <p:nvPr/>
+        </p:nvPicPr>
+        <p:blipFill>
+          <a:blip r:embed="rId4">
+            <a:alphaModFix/>
+          </a:blip>
+          <a:stretch>
+            <a:fillRect/>
+          </a:stretch>
+        </p:blipFill>
+        <p:spPr>
+          <a:xfrm>
+            <a:off x="5329725" y="1167850"/>
+            <a:ext cx="2807799" cy="2807799"/>
+          </a:xfrm>
+          <a:prstGeom prst="rect">
+            <a:avLst/>
+          </a:prstGeom>
+          <a:noFill/>
+          <a:ln>
+            <a:noFill/>
+          </a:ln>
+        </p:spPr>
+      </p:pic>
+    </p:spTree>
+  </p:cSld>
+  <p:clrMapOvr>
+    <a:masterClrMapping/>
+  </p:clrMapOvr>
+</p:sld>
+</file>
+
+<file path=ppt/slides/slide5.xml><?xml version="1.0" encoding="utf-8"?>
+<p:sld xmlns:a="http://schemas.openxmlformats.org/drawingml/2006/main" xmlns:r="http://schemas.openxmlformats.org/officeDocument/2006/relationships" xmlns:mc="http://schemas.openxmlformats.org/markup-compatibility/2006" xmlns:mv="urn:schemas-microsoft-com:mac:vml" xmlns:p="http://schemas.openxmlformats.org/presentationml/2006/main" xmlns:c="http://schemas.openxmlformats.org/drawingml/2006/chart" xmlns:dgm="http://schemas.openxmlformats.org/drawingml/2006/diagram" xmlns:o="urn:schemas-microsoft-com:office:office" xmlns:v="urn:schemas-microsoft-com:vml" xmlns:pvml="urn:schemas-microsoft-com:office:powerpoint" xmlns:com="http://schemas.openxmlformats.org/drawingml/2006/compatibility" xmlns:p14="http://schemas.microsoft.com/office/powerpoint/2010/main" xmlns:p15="http://schemas.microsoft.com/office/powerpoint/2012/main" xmlns:ahyp="http://schemas.microsoft.com/office/drawing/2018/hyperlinkcolor">
+  <p:cSld>
+    <p:spTree>
+      <p:nvGrpSpPr>
+        <p:cNvPr id="89" name="Shape 89"/>
+        <p:cNvGrpSpPr/>
+        <p:nvPr/>
+      </p:nvGrpSpPr>
+      <p:grpSpPr>
+        <a:xfrm>
+          <a:off x="0" y="0"/>
+          <a:ext cx="0" cy="0"/>
+          <a:chOff x="0" y="0"/>
+          <a:chExt cx="0" cy="0"/>
+        </a:xfrm>
+      </p:grpSpPr>
+      <p:sp>
+        <p:nvSpPr>
+          <p:cNvPr id="90" name="Google Shape;90;p17"/>
+          <p:cNvSpPr txBox="1"/>
+          <p:nvPr>
+            <p:ph type="title"/>
+          </p:nvPr>
+        </p:nvSpPr>
+        <p:spPr>
+          <a:xfrm>
+            <a:off x="311700" y="391350"/>
+            <a:ext cx="8520600" cy="626100"/>
+          </a:xfrm>
+          <a:prstGeom prst="rect">
+            <a:avLst/>
+          </a:prstGeom>
+        </p:spPr>
+        <p:txBody>
+          <a:bodyPr anchorCtr="0" anchor="t" bIns="91425" lIns="91425" spcFirstLastPara="1" rIns="91425" wrap="square" tIns="91425">
+            <a:normAutofit fontScale="90000"/>
+          </a:bodyPr>
+          <a:lstStyle/>
+          <a:p>
+            <a:pPr indent="0" lvl="0" marL="0" rtl="0" algn="ctr">
+              <a:spcBef>
+                <a:spcPts val="0"/>
+              </a:spcBef>
+              <a:spcAft>
+                <a:spcPts val="0"/>
+              </a:spcAft>
+              <a:buNone/>
+            </a:pPr>
+            <a:r>
+              <a:rPr lang="es"/>
+              <a:t>¿Para quién es?</a:t>
+            </a:r>
+            <a:endParaRPr/>
+          </a:p>
+        </p:txBody>
+      </p:sp>
+      <p:pic>
+        <p:nvPicPr>
+          <p:cNvPr id="91" name="Google Shape;91;p17"/>
+          <p:cNvPicPr preferRelativeResize="0"/>
+          <p:nvPr/>
+        </p:nvPicPr>
+        <p:blipFill>
+          <a:blip r:embed="rId3">
+            <a:alphaModFix/>
+          </a:blip>
+          <a:stretch>
+            <a:fillRect/>
+          </a:stretch>
+        </p:blipFill>
+        <p:spPr>
+          <a:xfrm>
+            <a:off x="3358951" y="1428375"/>
+            <a:ext cx="2425950" cy="2425950"/>
+          </a:xfrm>
+          <a:prstGeom prst="rect">
+            <a:avLst/>
+          </a:prstGeom>
+          <a:noFill/>
+          <a:ln>
+            <a:noFill/>
+          </a:ln>
+        </p:spPr>
+      </p:pic>
+      <p:sp>
+        <p:nvSpPr>
+          <p:cNvPr id="92" name="Google Shape;92;p17"/>
+          <p:cNvSpPr txBox="1"/>
+          <p:nvPr>
+            <p:ph idx="1" type="body"/>
+          </p:nvPr>
+        </p:nvSpPr>
+        <p:spPr>
+          <a:xfrm>
+            <a:off x="434550" y="2157750"/>
+            <a:ext cx="2924400" cy="967200"/>
+          </a:xfrm>
+          <a:prstGeom prst="rect">
+            <a:avLst/>
+          </a:prstGeom>
+        </p:spPr>
+        <p:txBody>
+          <a:bodyPr anchorCtr="0" anchor="ctr" bIns="91425" lIns="91425" spcFirstLastPara="1" rIns="91425" wrap="square" tIns="91425">
+            <a:normAutofit lnSpcReduction="20000"/>
+          </a:bodyPr>
+          <a:lstStyle/>
+          <a:p>
+            <a:pPr indent="0" lvl="0" marL="0" rtl="0" algn="ctr">
+              <a:spcBef>
+                <a:spcPts val="0"/>
+              </a:spcBef>
+              <a:spcAft>
+                <a:spcPts val="0"/>
+              </a:spcAft>
+              <a:buNone/>
+            </a:pPr>
+            <a:r>
+              <a:rPr lang="es"/>
+              <a:t>Dueños de mascotas</a:t>
+            </a:r>
+            <a:endParaRPr/>
+          </a:p>
+          <a:p>
+            <a:pPr indent="0" lvl="0" marL="0" rtl="0" algn="ctr">
+              <a:spcBef>
+                <a:spcPts val="1200"/>
+              </a:spcBef>
+              <a:spcAft>
+                <a:spcPts val="0"/>
+              </a:spcAft>
+              <a:buNone/>
+            </a:pPr>
+            <a:r>
+              <a:rPr lang="es" sz="1200"/>
+              <a:t>Quienes estén preocupados de que su</a:t>
+            </a:r>
+            <a:endParaRPr sz="1200"/>
+          </a:p>
+          <a:p>
+            <a:pPr indent="0" lvl="0" marL="0" rtl="0" algn="ctr">
+              <a:spcBef>
+                <a:spcPts val="0"/>
+              </a:spcBef>
+              <a:spcAft>
+                <a:spcPts val="0"/>
+              </a:spcAft>
+              <a:buNone/>
+            </a:pPr>
+            <a:r>
+              <a:rPr lang="es" sz="1200"/>
+              <a:t>mascota pueda perderse</a:t>
+            </a:r>
+            <a:endParaRPr sz="1200"/>
+          </a:p>
+        </p:txBody>
+      </p:sp>
+      <p:sp>
+        <p:nvSpPr>
+          <p:cNvPr id="93" name="Google Shape;93;p17"/>
+          <p:cNvSpPr txBox="1"/>
+          <p:nvPr>
+            <p:ph idx="1" type="body"/>
+          </p:nvPr>
+        </p:nvSpPr>
+        <p:spPr>
+          <a:xfrm>
+            <a:off x="5784975" y="2157750"/>
+            <a:ext cx="2842200" cy="967200"/>
+          </a:xfrm>
+          <a:prstGeom prst="rect">
+            <a:avLst/>
+          </a:prstGeom>
+        </p:spPr>
+        <p:txBody>
+          <a:bodyPr anchorCtr="0" anchor="ctr" bIns="91425" lIns="91425" spcFirstLastPara="1" rIns="91425" wrap="square" tIns="91425">
+            <a:normAutofit lnSpcReduction="20000"/>
+          </a:bodyPr>
+          <a:lstStyle/>
+          <a:p>
+            <a:pPr indent="0" lvl="0" marL="0" rtl="0" algn="ctr">
+              <a:spcBef>
+                <a:spcPts val="0"/>
+              </a:spcBef>
+              <a:spcAft>
+                <a:spcPts val="0"/>
+              </a:spcAft>
+              <a:buNone/>
+            </a:pPr>
+            <a:r>
+              <a:rPr lang="es"/>
+              <a:t>Amantes de Animales</a:t>
+            </a:r>
+            <a:endParaRPr/>
+          </a:p>
+          <a:p>
+            <a:pPr indent="0" lvl="0" marL="0" rtl="0" algn="ctr">
+              <a:spcBef>
+                <a:spcPts val="1200"/>
+              </a:spcBef>
+              <a:spcAft>
+                <a:spcPts val="0"/>
+              </a:spcAft>
+              <a:buNone/>
+            </a:pPr>
+            <a:r>
+              <a:rPr lang="es" sz="1200"/>
+              <a:t>Quienes estén preocupados de mascotas perdidas</a:t>
+            </a:r>
+            <a:endParaRPr sz="1200"/>
+          </a:p>
+        </p:txBody>
+      </p:sp>
+    </p:spTree>
+  </p:cSld>
+  <p:clrMapOvr>
+    <a:masterClrMapping/>
+  </p:clrMapOvr>
+</p:sld>
+</file>
+
+<file path=ppt/slides/slide6.xml><?xml version="1.0" encoding="utf-8"?>
+<p:sld xmlns:a="http://schemas.openxmlformats.org/drawingml/2006/main" xmlns:r="http://schemas.openxmlformats.org/officeDocument/2006/relationships" xmlns:mc="http://schemas.openxmlformats.org/markup-compatibility/2006" xmlns:mv="urn:schemas-microsoft-com:mac:vml" xmlns:p="http://schemas.openxmlformats.org/presentationml/2006/main" xmlns:c="http://schemas.openxmlformats.org/drawingml/2006/chart" xmlns:dgm="http://schemas.openxmlformats.org/drawingml/2006/diagram" xmlns:o="urn:schemas-microsoft-com:office:office" xmlns:v="urn:schemas-microsoft-com:vml" xmlns:pvml="urn:schemas-microsoft-com:office:powerpoint" xmlns:com="http://schemas.openxmlformats.org/drawingml/2006/compatibility" xmlns:p14="http://schemas.microsoft.com/office/powerpoint/2010/main" xmlns:p15="http://schemas.microsoft.com/office/powerpoint/2012/main" xmlns:ahyp="http://schemas.microsoft.com/office/drawing/2018/hyperlinkcolor">
+  <p:cSld>
+    <p:spTree>
+      <p:nvGrpSpPr>
+        <p:cNvPr id="97" name="Shape 97"/>
+        <p:cNvGrpSpPr/>
+        <p:nvPr/>
+      </p:nvGrpSpPr>
+      <p:grpSpPr>
+        <a:xfrm>
+          <a:off x="0" y="0"/>
+          <a:ext cx="0" cy="0"/>
+          <a:chOff x="0" y="0"/>
+          <a:chExt cx="0" cy="0"/>
+        </a:xfrm>
+      </p:grpSpPr>
+      <p:sp>
+        <p:nvSpPr>
+          <p:cNvPr id="98" name="Google Shape;98;p18"/>
+          <p:cNvSpPr txBox="1"/>
+          <p:nvPr>
+            <p:ph type="title"/>
+          </p:nvPr>
+        </p:nvSpPr>
+        <p:spPr>
+          <a:xfrm>
+            <a:off x="311700" y="391350"/>
+            <a:ext cx="8520600" cy="626100"/>
+          </a:xfrm>
+          <a:prstGeom prst="rect">
+            <a:avLst/>
+          </a:prstGeom>
+        </p:spPr>
+        <p:txBody>
+          <a:bodyPr anchorCtr="0" anchor="t" bIns="91425" lIns="91425" spcFirstLastPara="1" rIns="91425" wrap="square" tIns="91425">
+            <a:normAutofit fontScale="90000"/>
+          </a:bodyPr>
+          <a:lstStyle/>
+          <a:p>
+            <a:pPr indent="0" lvl="0" marL="0" rtl="0" algn="ctr">
+              <a:spcBef>
+                <a:spcPts val="0"/>
+              </a:spcBef>
+              <a:spcAft>
+                <a:spcPts val="0"/>
+              </a:spcAft>
+              <a:buNone/>
+            </a:pPr>
+            <a:r>
+              <a:rPr lang="es"/>
+              <a:t>¿Cómo funciona?</a:t>
             </a:r>
             <a:endParaRPr/>
           </a:p>
@@ -7397,7 +8489,7 @@
       </p:sp>
       <p:sp>
         <p:nvSpPr>
-          <p:cNvPr id="84" name="Google Shape;84;p16"/>
+          <p:cNvPr id="99" name="Google Shape;99;p18"/>
           <p:cNvSpPr txBox="1"/>
           <p:nvPr>
             <p:ph idx="1" type="body"/>
@@ -7405,8 +8497,48 @@
         </p:nvSpPr>
         <p:spPr>
           <a:xfrm>
-            <a:off x="810075" y="2595400"/>
-            <a:ext cx="3502500" cy="967200"/>
+            <a:off x="964725" y="1234350"/>
+            <a:ext cx="3502500" cy="439800"/>
+          </a:xfrm>
+          <a:prstGeom prst="rect">
+            <a:avLst/>
+          </a:prstGeom>
+        </p:spPr>
+        <p:txBody>
+          <a:bodyPr anchorCtr="0" anchor="b" bIns="91425" lIns="91425" spcFirstLastPara="1" rIns="91425" wrap="square" tIns="91425">
+            <a:noAutofit/>
+          </a:bodyPr>
+          <a:lstStyle/>
+          <a:p>
+            <a:pPr indent="0" lvl="0" marL="0" rtl="0" algn="ctr">
+              <a:spcBef>
+                <a:spcPts val="0"/>
+              </a:spcBef>
+              <a:spcAft>
+                <a:spcPts val="1200"/>
+              </a:spcAft>
+              <a:buNone/>
+            </a:pPr>
+            <a:r>
+              <a:rPr lang="es"/>
+              <a:t>Registra tu mascota</a:t>
+            </a:r>
+            <a:endParaRPr/>
+          </a:p>
+        </p:txBody>
+      </p:sp>
+      <p:sp>
+        <p:nvSpPr>
+          <p:cNvPr id="100" name="Google Shape;100;p18"/>
+          <p:cNvSpPr txBox="1"/>
+          <p:nvPr>
+            <p:ph idx="1" type="body"/>
+          </p:nvPr>
+        </p:nvSpPr>
+        <p:spPr>
+          <a:xfrm>
+            <a:off x="964725" y="2157750"/>
+            <a:ext cx="3607200" cy="967200"/>
           </a:xfrm>
           <a:prstGeom prst="rect">
             <a:avLst/>
@@ -7445,7 +8577,7 @@
             </a:pPr>
             <a:r>
               <a:rPr lang="es" sz="1200"/>
-              <a:t>Tu mascota debe andar trayendo esto código.</a:t>
+              <a:t>Tu mascota debe andar trayendo este código.</a:t>
             </a:r>
             <a:endParaRPr sz="1200"/>
           </a:p>
@@ -7469,7 +8601,7 @@
       </p:sp>
       <p:sp>
         <p:nvSpPr>
-          <p:cNvPr id="85" name="Google Shape;85;p16"/>
+          <p:cNvPr id="101" name="Google Shape;101;p18"/>
           <p:cNvSpPr txBox="1"/>
           <p:nvPr>
             <p:ph idx="1" type="body"/>
@@ -7477,8 +8609,8 @@
         </p:nvSpPr>
         <p:spPr>
           <a:xfrm>
-            <a:off x="4467225" y="2595400"/>
-            <a:ext cx="2052600" cy="967200"/>
+            <a:off x="4572000" y="1674150"/>
+            <a:ext cx="3397800" cy="967200"/>
           </a:xfrm>
           <a:prstGeom prst="rect">
             <a:avLst/>
@@ -7486,7 +8618,7 @@
         </p:spPr>
         <p:txBody>
           <a:bodyPr anchorCtr="0" anchor="ctr" bIns="91425" lIns="91425" spcFirstLastPara="1" rIns="91425" wrap="square" tIns="91425">
-            <a:normAutofit lnSpcReduction="10000"/>
+            <a:normAutofit/>
           </a:bodyPr>
           <a:lstStyle/>
           <a:p>
@@ -7517,7 +8649,11 @@
             </a:pPr>
             <a:r>
               <a:rPr lang="es" sz="1200"/>
-              <a:t>Escanéalo. Esto le avisará al dueño dónde está y podrán comunicarse.</a:t>
+              <a:t>Escanéalo</a:t>
+            </a:r>
+            <a:r>
+              <a:rPr lang="es" sz="1200"/>
+              <a:t>. Esto le avisará al dueño dónde está y podrán comunicarse.</a:t>
             </a:r>
             <a:endParaRPr sz="1200"/>
           </a:p>
@@ -7525,7 +8661,7 @@
       </p:sp>
       <p:sp>
         <p:nvSpPr>
-          <p:cNvPr id="86" name="Google Shape;86;p16"/>
+          <p:cNvPr id="102" name="Google Shape;102;p18"/>
           <p:cNvSpPr txBox="1"/>
           <p:nvPr>
             <p:ph idx="1" type="body"/>
@@ -7533,8 +8669,8 @@
         </p:nvSpPr>
         <p:spPr>
           <a:xfrm>
-            <a:off x="6519825" y="2595400"/>
-            <a:ext cx="2052600" cy="967200"/>
+            <a:off x="4572000" y="2641350"/>
+            <a:ext cx="3397800" cy="967200"/>
           </a:xfrm>
           <a:prstGeom prst="rect">
             <a:avLst/>
@@ -7542,7 +8678,7 @@
         </p:spPr>
         <p:txBody>
           <a:bodyPr anchorCtr="0" anchor="ctr" bIns="91425" lIns="91425" spcFirstLastPara="1" rIns="91425" wrap="square" tIns="91425">
-            <a:normAutofit lnSpcReduction="10000"/>
+            <a:normAutofit/>
           </a:bodyPr>
           <a:lstStyle/>
           <a:p>
@@ -7573,7 +8709,390 @@
             </a:pPr>
             <a:r>
               <a:rPr lang="es" sz="1200"/>
+              <a:t>Tómale una foto. Podrás ver si alguien la ha reportado como </a:t>
+            </a:r>
+            <a:r>
+              <a:rPr lang="es" sz="1200"/>
+              <a:t>pérdida</a:t>
+            </a:r>
+            <a:endParaRPr sz="1200"/>
+          </a:p>
+        </p:txBody>
+      </p:sp>
+      <p:sp>
+        <p:nvSpPr>
+          <p:cNvPr id="103" name="Google Shape;103;p18"/>
+          <p:cNvSpPr txBox="1"/>
+          <p:nvPr>
+            <p:ph idx="1" type="body"/>
+          </p:nvPr>
+        </p:nvSpPr>
+        <p:spPr>
+          <a:xfrm>
+            <a:off x="4467225" y="1234350"/>
+            <a:ext cx="3502500" cy="439800"/>
+          </a:xfrm>
+          <a:prstGeom prst="rect">
+            <a:avLst/>
+          </a:prstGeom>
+        </p:spPr>
+        <p:txBody>
+          <a:bodyPr anchorCtr="0" anchor="b" bIns="91425" lIns="91425" spcFirstLastPara="1" rIns="91425" wrap="square" tIns="91425">
+            <a:noAutofit/>
+          </a:bodyPr>
+          <a:lstStyle/>
+          <a:p>
+            <a:pPr indent="0" lvl="0" marL="0" rtl="0" algn="ctr">
+              <a:spcBef>
+                <a:spcPts val="0"/>
+              </a:spcBef>
+              <a:spcAft>
+                <a:spcPts val="1200"/>
+              </a:spcAft>
+              <a:buNone/>
+            </a:pPr>
+            <a:r>
+              <a:rPr lang="es"/>
+              <a:t>Reporta una mascota</a:t>
+            </a:r>
+            <a:endParaRPr/>
+          </a:p>
+        </p:txBody>
+      </p:sp>
+      <p:sp>
+        <p:nvSpPr>
+          <p:cNvPr id="104" name="Google Shape;104;p18"/>
+          <p:cNvSpPr txBox="1"/>
+          <p:nvPr>
+            <p:ph idx="1" type="body"/>
+          </p:nvPr>
+        </p:nvSpPr>
+        <p:spPr>
+          <a:xfrm>
+            <a:off x="4572000" y="3608550"/>
+            <a:ext cx="3397800" cy="967200"/>
+          </a:xfrm>
+          <a:prstGeom prst="rect">
+            <a:avLst/>
+          </a:prstGeom>
+        </p:spPr>
+        <p:txBody>
+          <a:bodyPr anchorCtr="0" anchor="ctr" bIns="91425" lIns="91425" spcFirstLastPara="1" rIns="91425" wrap="square" tIns="91425">
+            <a:normAutofit/>
+          </a:bodyPr>
+          <a:lstStyle/>
+          <a:p>
+            <a:pPr indent="0" lvl="0" marL="0" rtl="0" algn="ctr">
+              <a:spcBef>
+                <a:spcPts val="0"/>
+              </a:spcBef>
+              <a:spcAft>
+                <a:spcPts val="0"/>
+              </a:spcAft>
+              <a:buNone/>
+            </a:pPr>
+            <a:r>
+              <a:rPr b="1" i="1" lang="es" sz="1200"/>
+              <a:t>¿No hay aviso de extravío?</a:t>
+            </a:r>
+            <a:endParaRPr b="1" i="1" sz="1200"/>
+          </a:p>
+          <a:p>
+            <a:pPr indent="0" lvl="0" marL="0" rtl="0" algn="ctr">
+              <a:spcBef>
+                <a:spcPts val="0"/>
+              </a:spcBef>
+              <a:spcAft>
+                <a:spcPts val="0"/>
+              </a:spcAft>
+              <a:buNone/>
+            </a:pPr>
+            <a:r>
+              <a:rPr lang="es" sz="1200"/>
               <a:t>Puedes revisar el mapa para encontrar la veterinaria más cercana</a:t>
+            </a:r>
+            <a:endParaRPr sz="1200"/>
+          </a:p>
+        </p:txBody>
+      </p:sp>
+      <p:sp>
+        <p:nvSpPr>
+          <p:cNvPr id="105" name="Google Shape;105;p18"/>
+          <p:cNvSpPr txBox="1"/>
+          <p:nvPr>
+            <p:ph idx="1" type="body"/>
+          </p:nvPr>
+        </p:nvSpPr>
+        <p:spPr>
+          <a:xfrm>
+            <a:off x="964725" y="3124950"/>
+            <a:ext cx="3607200" cy="967200"/>
+          </a:xfrm>
+          <a:prstGeom prst="rect">
+            <a:avLst/>
+          </a:prstGeom>
+        </p:spPr>
+        <p:txBody>
+          <a:bodyPr anchorCtr="0" anchor="ctr" bIns="91425" lIns="91425" spcFirstLastPara="1" rIns="91425" wrap="square" tIns="91425">
+            <a:normAutofit/>
+          </a:bodyPr>
+          <a:lstStyle/>
+          <a:p>
+            <a:pPr indent="0" lvl="0" marL="0" rtl="0" algn="ctr">
+              <a:spcBef>
+                <a:spcPts val="0"/>
+              </a:spcBef>
+              <a:spcAft>
+                <a:spcPts val="0"/>
+              </a:spcAft>
+              <a:buNone/>
+            </a:pPr>
+            <a:r>
+              <a:rPr b="1" i="1" lang="es" sz="1200"/>
+              <a:t>¿Quieres algo más?</a:t>
+            </a:r>
+            <a:endParaRPr b="1" i="1" sz="1200"/>
+          </a:p>
+          <a:p>
+            <a:pPr indent="0" lvl="0" marL="0" rtl="0" algn="ctr">
+              <a:spcBef>
+                <a:spcPts val="0"/>
+              </a:spcBef>
+              <a:spcAft>
+                <a:spcPts val="0"/>
+              </a:spcAft>
+              <a:buNone/>
+            </a:pPr>
+            <a:r>
+              <a:rPr lang="es" sz="1200"/>
+              <a:t>Puedes contratarle una etiqueta GPS.</a:t>
+            </a:r>
+            <a:endParaRPr sz="1200"/>
+          </a:p>
+          <a:p>
+            <a:pPr indent="0" lvl="0" marL="0" rtl="0" algn="ctr">
+              <a:spcBef>
+                <a:spcPts val="0"/>
+              </a:spcBef>
+              <a:spcAft>
+                <a:spcPts val="0"/>
+              </a:spcAft>
+              <a:buNone/>
+            </a:pPr>
+            <a:r>
+              <a:rPr lang="es" sz="1200"/>
+              <a:t>Te dirá donde está, y te avisará si sale de su casa</a:t>
+            </a:r>
+            <a:endParaRPr sz="1200"/>
+          </a:p>
+        </p:txBody>
+      </p:sp>
+    </p:spTree>
+  </p:cSld>
+  <p:clrMapOvr>
+    <a:masterClrMapping/>
+  </p:clrMapOvr>
+</p:sld>
+</file>
+
+<file path=ppt/slides/slide7.xml><?xml version="1.0" encoding="utf-8"?>
+<p:sld xmlns:a="http://schemas.openxmlformats.org/drawingml/2006/main" xmlns:r="http://schemas.openxmlformats.org/officeDocument/2006/relationships" xmlns:mc="http://schemas.openxmlformats.org/markup-compatibility/2006" xmlns:mv="urn:schemas-microsoft-com:mac:vml" xmlns:p="http://schemas.openxmlformats.org/presentationml/2006/main" xmlns:c="http://schemas.openxmlformats.org/drawingml/2006/chart" xmlns:dgm="http://schemas.openxmlformats.org/drawingml/2006/diagram" xmlns:o="urn:schemas-microsoft-com:office:office" xmlns:v="urn:schemas-microsoft-com:vml" xmlns:pvml="urn:schemas-microsoft-com:office:powerpoint" xmlns:com="http://schemas.openxmlformats.org/drawingml/2006/compatibility" xmlns:p14="http://schemas.microsoft.com/office/powerpoint/2010/main" xmlns:p15="http://schemas.microsoft.com/office/powerpoint/2012/main" xmlns:ahyp="http://schemas.microsoft.com/office/drawing/2018/hyperlinkcolor">
+  <p:cSld>
+    <p:spTree>
+      <p:nvGrpSpPr>
+        <p:cNvPr id="109" name="Shape 109"/>
+        <p:cNvGrpSpPr/>
+        <p:nvPr/>
+      </p:nvGrpSpPr>
+      <p:grpSpPr>
+        <a:xfrm>
+          <a:off x="0" y="0"/>
+          <a:ext cx="0" cy="0"/>
+          <a:chOff x="0" y="0"/>
+          <a:chExt cx="0" cy="0"/>
+        </a:xfrm>
+      </p:grpSpPr>
+      <p:sp>
+        <p:nvSpPr>
+          <p:cNvPr id="110" name="Google Shape;110;p19"/>
+          <p:cNvSpPr txBox="1"/>
+          <p:nvPr>
+            <p:ph type="title"/>
+          </p:nvPr>
+        </p:nvSpPr>
+        <p:spPr>
+          <a:xfrm>
+            <a:off x="311700" y="391350"/>
+            <a:ext cx="8520600" cy="626100"/>
+          </a:xfrm>
+          <a:prstGeom prst="rect">
+            <a:avLst/>
+          </a:prstGeom>
+        </p:spPr>
+        <p:txBody>
+          <a:bodyPr anchorCtr="0" anchor="t" bIns="91425" lIns="91425" spcFirstLastPara="1" rIns="91425" wrap="square" tIns="91425">
+            <a:normAutofit fontScale="90000"/>
+          </a:bodyPr>
+          <a:lstStyle/>
+          <a:p>
+            <a:pPr indent="0" lvl="0" marL="0" rtl="0" algn="ctr">
+              <a:spcBef>
+                <a:spcPts val="0"/>
+              </a:spcBef>
+              <a:spcAft>
+                <a:spcPts val="0"/>
+              </a:spcAft>
+              <a:buNone/>
+            </a:pPr>
+            <a:r>
+              <a:rPr lang="es"/>
+              <a:t>Beneficios esperados</a:t>
+            </a:r>
+            <a:endParaRPr/>
+          </a:p>
+        </p:txBody>
+      </p:sp>
+      <p:sp>
+        <p:nvSpPr>
+          <p:cNvPr id="111" name="Google Shape;111;p19"/>
+          <p:cNvSpPr txBox="1"/>
+          <p:nvPr>
+            <p:ph idx="1" type="body"/>
+          </p:nvPr>
+        </p:nvSpPr>
+        <p:spPr>
+          <a:xfrm>
+            <a:off x="1272975" y="980525"/>
+            <a:ext cx="6063900" cy="3053400"/>
+          </a:xfrm>
+          <a:prstGeom prst="rect">
+            <a:avLst/>
+          </a:prstGeom>
+        </p:spPr>
+        <p:txBody>
+          <a:bodyPr anchorCtr="0" anchor="ctr" bIns="91425" lIns="91425" spcFirstLastPara="1" rIns="91425" wrap="square" tIns="91425">
+            <a:normAutofit/>
+          </a:bodyPr>
+          <a:lstStyle/>
+          <a:p>
+            <a:pPr indent="-304800" lvl="0" marL="457200" rtl="0" algn="l">
+              <a:spcBef>
+                <a:spcPts val="0"/>
+              </a:spcBef>
+              <a:spcAft>
+                <a:spcPts val="0"/>
+              </a:spcAft>
+              <a:buSzPts val="1200"/>
+              <a:buChar char="●"/>
+            </a:pPr>
+            <a:r>
+              <a:rPr lang="es" sz="1200"/>
+              <a:t>Facilitar el reencuentro entre dueños y mascotas extraviadas </a:t>
+            </a:r>
+            <a:r>
+              <a:rPr lang="es" sz="1200"/>
+              <a:t>reduciendo</a:t>
+            </a:r>
+            <a:r>
+              <a:rPr lang="es" sz="1200"/>
+              <a:t> tiempos y la </a:t>
+            </a:r>
+            <a:r>
+              <a:rPr lang="es" sz="1200"/>
+              <a:t>incertidumbre en los procesos de búsqueda. </a:t>
+            </a:r>
+            <a:r>
+              <a:rPr lang="es" sz="1200"/>
+              <a:t> </a:t>
+            </a:r>
+            <a:endParaRPr sz="1200"/>
+          </a:p>
+          <a:p>
+            <a:pPr indent="-304800" lvl="0" marL="457200" rtl="0" algn="l">
+              <a:spcBef>
+                <a:spcPts val="0"/>
+              </a:spcBef>
+              <a:spcAft>
+                <a:spcPts val="0"/>
+              </a:spcAft>
+              <a:buSzPts val="1200"/>
+              <a:buChar char="●"/>
+            </a:pPr>
+            <a:r>
+              <a:rPr lang="es" sz="1200"/>
+              <a:t>Optimizar la </a:t>
+            </a:r>
+            <a:r>
+              <a:rPr lang="es" sz="1200"/>
+              <a:t>identificación</a:t>
+            </a:r>
+            <a:r>
+              <a:rPr lang="es" sz="1200"/>
+              <a:t> de mascotas.</a:t>
+            </a:r>
+            <a:endParaRPr sz="1200"/>
+          </a:p>
+          <a:p>
+            <a:pPr indent="-304800" lvl="0" marL="457200" rtl="0" algn="l">
+              <a:spcBef>
+                <a:spcPts val="0"/>
+              </a:spcBef>
+              <a:spcAft>
+                <a:spcPts val="0"/>
+              </a:spcAft>
+              <a:buSzPts val="1200"/>
+              <a:buChar char="●"/>
+            </a:pPr>
+            <a:r>
+              <a:rPr lang="es" sz="1200"/>
+              <a:t>Aumentar la seguridad de las mascotas.</a:t>
+            </a:r>
+            <a:endParaRPr sz="1200"/>
+          </a:p>
+          <a:p>
+            <a:pPr indent="-304800" lvl="0" marL="457200" rtl="0" algn="l">
+              <a:spcBef>
+                <a:spcPts val="0"/>
+              </a:spcBef>
+              <a:spcAft>
+                <a:spcPts val="0"/>
+              </a:spcAft>
+              <a:buSzPts val="1200"/>
+              <a:buChar char="●"/>
+            </a:pPr>
+            <a:r>
+              <a:rPr lang="es" sz="1200"/>
+              <a:t>Generar un impacto social positivo .</a:t>
+            </a:r>
+            <a:endParaRPr sz="1200"/>
+          </a:p>
+          <a:p>
+            <a:pPr indent="0" lvl="0" marL="457200" rtl="0" algn="l">
+              <a:spcBef>
+                <a:spcPts val="0"/>
+              </a:spcBef>
+              <a:spcAft>
+                <a:spcPts val="0"/>
+              </a:spcAft>
+              <a:buNone/>
+            </a:pPr>
+            <a:r>
+              <a:t/>
+            </a:r>
+            <a:endParaRPr sz="1200"/>
+          </a:p>
+          <a:p>
+            <a:pPr indent="0" lvl="0" marL="457200" rtl="0" algn="l">
+              <a:spcBef>
+                <a:spcPts val="0"/>
+              </a:spcBef>
+              <a:spcAft>
+                <a:spcPts val="0"/>
+              </a:spcAft>
+              <a:buNone/>
+            </a:pPr>
+            <a:r>
+              <a:t/>
             </a:r>
             <a:endParaRPr sz="1200"/>
           </a:p>
@@ -7588,6 +9107,285 @@
 </file>
 
 <file path=ppt/theme/theme1.xml><?xml version="1.0" encoding="utf-8"?>
+<a:theme xmlns:a="http://schemas.openxmlformats.org/drawingml/2006/main" xmlns:r="http://schemas.openxmlformats.org/officeDocument/2006/relationships" name="Coral">
+  <a:themeElements>
+    <a:clrScheme name="Coral">
+      <a:dk1>
+        <a:srgbClr val="F55E61"/>
+      </a:dk1>
+      <a:lt1>
+        <a:srgbClr val="FFFFFF"/>
+      </a:lt1>
+      <a:dk2>
+        <a:srgbClr val="5E696C"/>
+      </a:dk2>
+      <a:lt2>
+        <a:srgbClr val="BFC7CA"/>
+      </a:lt2>
+      <a:accent1>
+        <a:srgbClr val="1E2D31"/>
+      </a:accent1>
+      <a:accent2>
+        <a:srgbClr val="273C42"/>
+      </a:accent2>
+      <a:accent3>
+        <a:srgbClr val="83D061"/>
+      </a:accent3>
+      <a:accent4>
+        <a:srgbClr val="F6CD4C"/>
+      </a:accent4>
+      <a:accent5>
+        <a:srgbClr val="AF4345"/>
+      </a:accent5>
+      <a:accent6>
+        <a:srgbClr val="F58F8F"/>
+      </a:accent6>
+      <a:hlink>
+        <a:srgbClr val="AF4345"/>
+      </a:hlink>
+      <a:folHlink>
+        <a:srgbClr val="AF4345"/>
+      </a:folHlink>
+    </a:clrScheme>
+    <a:fontScheme name="Office">
+      <a:majorFont>
+        <a:latin typeface="Arial"/>
+        <a:ea typeface=""/>
+        <a:cs typeface=""/>
+        <a:font script="Jpan" typeface="ＭＳ Ｐゴシック"/>
+        <a:font script="Hang" typeface="맑은 고딕"/>
+        <a:font script="Hans" typeface="宋体"/>
+        <a:font script="Hant" typeface="新細明體"/>
+        <a:font script="Arab" typeface="Times New Roman"/>
+        <a:font script="Hebr" typeface="Times New Roman"/>
+        <a:font script="Thai" typeface="Angsana New"/>
+        <a:font script="Ethi" typeface="Nyala"/>
+        <a:font script="Beng" typeface="Vrinda"/>
+        <a:font script="Gujr" typeface="Shruti"/>
+        <a:font script="Khmr" typeface="MoolBoran"/>
+        <a:font script="Knda" typeface="Tunga"/>
+        <a:font script="Guru" typeface="Raavi"/>
+        <a:font script="Cans" typeface="Euphemia"/>
+        <a:font script="Cher" typeface="Plantagenet Cherokee"/>
+        <a:font script="Yiii" typeface="Microsoft Yi Baiti"/>
+        <a:font script="Tibt" typeface="Microsoft Himalaya"/>
+        <a:font script="Thaa" typeface="MV Boli"/>
+        <a:font script="Deva" typeface="Mangal"/>
+        <a:font script="Telu" typeface="Gautami"/>
+        <a:font script="Taml" typeface="Latha"/>
+        <a:font script="Syrc" typeface="Estrangelo Edessa"/>
+        <a:font script="Orya" typeface="Kalinga"/>
+        <a:font script="Mlym" typeface="Kartika"/>
+        <a:font script="Laoo" typeface="DokChampa"/>
+        <a:font script="Sinh" typeface="Iskoola Pota"/>
+        <a:font script="Mong" typeface="Mongolian Baiti"/>
+        <a:font script="Viet" typeface="Times New Roman"/>
+        <a:font script="Uigh" typeface="Microsoft Uighur"/>
+        <a:font script="Geor" typeface="Sylfaen"/>
+      </a:majorFont>
+      <a:minorFont>
+        <a:latin typeface="Arial"/>
+        <a:ea typeface=""/>
+        <a:cs typeface=""/>
+        <a:font script="Jpan" typeface="ＭＳ Ｐゴシック"/>
+        <a:font script="Hang" typeface="맑은 고딕"/>
+        <a:font script="Hans" typeface="宋体"/>
+        <a:font script="Hant" typeface="新細明體"/>
+        <a:font script="Arab" typeface="Arial"/>
+        <a:font script="Hebr" typeface="Arial"/>
+        <a:font script="Thai" typeface="Cordia New"/>
+        <a:font script="Ethi" typeface="Nyala"/>
+        <a:font script="Beng" typeface="Vrinda"/>
+        <a:font script="Gujr" typeface="Shruti"/>
+        <a:font script="Khmr" typeface="DaunPenh"/>
+        <a:font script="Knda" typeface="Tunga"/>
+        <a:font script="Guru" typeface="Raavi"/>
+        <a:font script="Cans" typeface="Euphemia"/>
+        <a:font script="Cher" typeface="Plantagenet Cherokee"/>
+        <a:font script="Yiii" typeface="Microsoft Yi Baiti"/>
+        <a:font script="Tibt" typeface="Microsoft Himalaya"/>
+        <a:font script="Thaa" typeface="MV Boli"/>
+        <a:font script="Deva" typeface="Mangal"/>
+        <a:font script="Telu" typeface="Gautami"/>
+        <a:font script="Taml" typeface="Latha"/>
+        <a:font script="Syrc" typeface="Estrangelo Edessa"/>
+        <a:font script="Orya" typeface="Kalinga"/>
+        <a:font script="Mlym" typeface="Kartika"/>
+        <a:font script="Laoo" typeface="DokChampa"/>
+        <a:font script="Sinh" typeface="Iskoola Pota"/>
+        <a:font script="Mong" typeface="Mongolian Baiti"/>
+        <a:font script="Viet" typeface="Arial"/>
+        <a:font script="Uigh" typeface="Microsoft Uighur"/>
+        <a:font script="Geor" typeface="Sylfaen"/>
+      </a:minorFont>
+    </a:fontScheme>
+    <a:fmtScheme name="Office">
+      <a:fillStyleLst>
+        <a:solidFill>
+          <a:schemeClr val="phClr"/>
+        </a:solidFill>
+        <a:gradFill rotWithShape="1">
+          <a:gsLst>
+            <a:gs pos="0">
+              <a:schemeClr val="phClr">
+                <a:tint val="50000"/>
+                <a:satMod val="300000"/>
+              </a:schemeClr>
+            </a:gs>
+            <a:gs pos="35000">
+              <a:schemeClr val="phClr">
+                <a:tint val="37000"/>
+                <a:satMod val="300000"/>
+              </a:schemeClr>
+            </a:gs>
+            <a:gs pos="100000">
+              <a:schemeClr val="phClr">
+                <a:tint val="15000"/>
+                <a:satMod val="350000"/>
+              </a:schemeClr>
+            </a:gs>
+          </a:gsLst>
+          <a:lin ang="16200000" scaled="1"/>
+        </a:gradFill>
+        <a:gradFill rotWithShape="1">
+          <a:gsLst>
+            <a:gs pos="0">
+              <a:schemeClr val="phClr">
+                <a:tint val="100000"/>
+                <a:shade val="100000"/>
+                <a:satMod val="130000"/>
+              </a:schemeClr>
+            </a:gs>
+            <a:gs pos="100000">
+              <a:schemeClr val="phClr">
+                <a:tint val="50000"/>
+                <a:shade val="100000"/>
+                <a:satMod val="350000"/>
+              </a:schemeClr>
+            </a:gs>
+          </a:gsLst>
+          <a:lin ang="16200000" scaled="0"/>
+        </a:gradFill>
+      </a:fillStyleLst>
+      <a:lnStyleLst>
+        <a:ln w="9525" cap="flat" cmpd="sng" algn="ctr">
+          <a:solidFill>
+            <a:schemeClr val="phClr">
+              <a:shade val="95000"/>
+              <a:satMod val="105000"/>
+            </a:schemeClr>
+          </a:solidFill>
+          <a:prstDash val="solid"/>
+        </a:ln>
+        <a:ln w="25400" cap="flat" cmpd="sng" algn="ctr">
+          <a:solidFill>
+            <a:schemeClr val="phClr"/>
+          </a:solidFill>
+          <a:prstDash val="solid"/>
+        </a:ln>
+        <a:ln w="38100" cap="flat" cmpd="sng" algn="ctr">
+          <a:solidFill>
+            <a:schemeClr val="phClr"/>
+          </a:solidFill>
+          <a:prstDash val="solid"/>
+        </a:ln>
+      </a:lnStyleLst>
+      <a:effectStyleLst>
+        <a:effectStyle>
+          <a:effectLst>
+            <a:outerShdw blurRad="40000" dist="20000" dir="5400000" rotWithShape="0">
+              <a:srgbClr val="000000">
+                <a:alpha val="38000"/>
+              </a:srgbClr>
+            </a:outerShdw>
+          </a:effectLst>
+        </a:effectStyle>
+        <a:effectStyle>
+          <a:effectLst>
+            <a:outerShdw blurRad="40000" dist="23000" dir="5400000" rotWithShape="0">
+              <a:srgbClr val="000000">
+                <a:alpha val="35000"/>
+              </a:srgbClr>
+            </a:outerShdw>
+          </a:effectLst>
+        </a:effectStyle>
+        <a:effectStyle>
+          <a:effectLst>
+            <a:outerShdw blurRad="40000" dist="23000" dir="5400000" rotWithShape="0">
+              <a:srgbClr val="000000">
+                <a:alpha val="35000"/>
+              </a:srgbClr>
+            </a:outerShdw>
+          </a:effectLst>
+          <a:scene3d>
+            <a:camera prst="orthographicFront">
+              <a:rot lat="0" lon="0" rev="0"/>
+            </a:camera>
+            <a:lightRig rig="threePt" dir="t">
+              <a:rot lat="0" lon="0" rev="1200000"/>
+            </a:lightRig>
+          </a:scene3d>
+          <a:sp3d>
+            <a:bevelT w="63500" h="25400"/>
+          </a:sp3d>
+        </a:effectStyle>
+      </a:effectStyleLst>
+      <a:bgFillStyleLst>
+        <a:solidFill>
+          <a:schemeClr val="phClr"/>
+        </a:solidFill>
+        <a:gradFill rotWithShape="1">
+          <a:gsLst>
+            <a:gs pos="0">
+              <a:schemeClr val="phClr">
+                <a:tint val="40000"/>
+                <a:satMod val="350000"/>
+              </a:schemeClr>
+            </a:gs>
+            <a:gs pos="40000">
+              <a:schemeClr val="phClr">
+                <a:tint val="45000"/>
+                <a:shade val="99000"/>
+                <a:satMod val="350000"/>
+              </a:schemeClr>
+            </a:gs>
+            <a:gs pos="100000">
+              <a:schemeClr val="phClr">
+                <a:shade val="20000"/>
+                <a:satMod val="255000"/>
+              </a:schemeClr>
+            </a:gs>
+          </a:gsLst>
+          <a:path path="circle">
+            <a:fillToRect l="50000" t="-80000" r="50000" b="180000"/>
+          </a:path>
+        </a:gradFill>
+        <a:gradFill rotWithShape="1">
+          <a:gsLst>
+            <a:gs pos="0">
+              <a:schemeClr val="phClr">
+                <a:tint val="80000"/>
+                <a:satMod val="300000"/>
+              </a:schemeClr>
+            </a:gs>
+            <a:gs pos="100000">
+              <a:schemeClr val="phClr">
+                <a:shade val="30000"/>
+                <a:satMod val="200000"/>
+              </a:schemeClr>
+            </a:gs>
+          </a:gsLst>
+          <a:path path="circle">
+            <a:fillToRect l="50000" t="50000" r="50000" b="50000"/>
+          </a:path>
+        </a:gradFill>
+      </a:bgFillStyleLst>
+    </a:fmtScheme>
+  </a:themeElements>
+</a:theme>
+</file>
+
+<file path=ppt/theme/theme2.xml><?xml version="1.0" encoding="utf-8"?>
 <a:theme xmlns:a="http://schemas.openxmlformats.org/drawingml/2006/main" xmlns:r="http://schemas.openxmlformats.org/officeDocument/2006/relationships">
   <a:themeElements>
     <a:clrScheme name="Default">
@@ -7864,283 +9662,4 @@
     </a:fmtScheme>
   </a:themeElements>
 </a:theme>
-</file>
-
-<file path=ppt/theme/theme2.xml><?xml version="1.0" encoding="utf-8"?>
-<a:theme xmlns:a="http://schemas.openxmlformats.org/drawingml/2006/main" xmlns:r="http://schemas.openxmlformats.org/officeDocument/2006/relationships" name="Coral">
-  <a:themeElements>
-    <a:clrScheme name="Coral">
-      <a:dk1>
-        <a:srgbClr val="F55E61"/>
-      </a:dk1>
-      <a:lt1>
-        <a:srgbClr val="FFFFFF"/>
-      </a:lt1>
-      <a:dk2>
-        <a:srgbClr val="5E696C"/>
-      </a:dk2>
-      <a:lt2>
-        <a:srgbClr val="BFC7CA"/>
-      </a:lt2>
-      <a:accent1>
-        <a:srgbClr val="1E2D31"/>
-      </a:accent1>
-      <a:accent2>
-        <a:srgbClr val="273C42"/>
-      </a:accent2>
-      <a:accent3>
-        <a:srgbClr val="83D061"/>
-      </a:accent3>
-      <a:accent4>
-        <a:srgbClr val="F6CD4C"/>
-      </a:accent4>
-      <a:accent5>
-        <a:srgbClr val="AF4345"/>
-      </a:accent5>
-      <a:accent6>
-        <a:srgbClr val="F58F8F"/>
-      </a:accent6>
-      <a:hlink>
-        <a:srgbClr val="AF4345"/>
-      </a:hlink>
-      <a:folHlink>
-        <a:srgbClr val="AF4345"/>
-      </a:folHlink>
-    </a:clrScheme>
-    <a:fontScheme name="Office">
-      <a:majorFont>
-        <a:latin typeface="Arial"/>
-        <a:ea typeface=""/>
-        <a:cs typeface=""/>
-        <a:font script="Jpan" typeface="ＭＳ Ｐゴシック"/>
-        <a:font script="Hang" typeface="맑은 고딕"/>
-        <a:font script="Hans" typeface="宋体"/>
-        <a:font script="Hant" typeface="新細明體"/>
-        <a:font script="Arab" typeface="Times New Roman"/>
-        <a:font script="Hebr" typeface="Times New Roman"/>
-        <a:font script="Thai" typeface="Angsana New"/>
-        <a:font script="Ethi" typeface="Nyala"/>
-        <a:font script="Beng" typeface="Vrinda"/>
-        <a:font script="Gujr" typeface="Shruti"/>
-        <a:font script="Khmr" typeface="MoolBoran"/>
-        <a:font script="Knda" typeface="Tunga"/>
-        <a:font script="Guru" typeface="Raavi"/>
-        <a:font script="Cans" typeface="Euphemia"/>
-        <a:font script="Cher" typeface="Plantagenet Cherokee"/>
-        <a:font script="Yiii" typeface="Microsoft Yi Baiti"/>
-        <a:font script="Tibt" typeface="Microsoft Himalaya"/>
-        <a:font script="Thaa" typeface="MV Boli"/>
-        <a:font script="Deva" typeface="Mangal"/>
-        <a:font script="Telu" typeface="Gautami"/>
-        <a:font script="Taml" typeface="Latha"/>
-        <a:font script="Syrc" typeface="Estrangelo Edessa"/>
-        <a:font script="Orya" typeface="Kalinga"/>
-        <a:font script="Mlym" typeface="Kartika"/>
-        <a:font script="Laoo" typeface="DokChampa"/>
-        <a:font script="Sinh" typeface="Iskoola Pota"/>
-        <a:font script="Mong" typeface="Mongolian Baiti"/>
-        <a:font script="Viet" typeface="Times New Roman"/>
-        <a:font script="Uigh" typeface="Microsoft Uighur"/>
-        <a:font script="Geor" typeface="Sylfaen"/>
-      </a:majorFont>
-      <a:minorFont>
-        <a:latin typeface="Arial"/>
-        <a:ea typeface=""/>
-        <a:cs typeface=""/>
-        <a:font script="Jpan" typeface="ＭＳ Ｐゴシック"/>
-        <a:font script="Hang" typeface="맑은 고딕"/>
-        <a:font script="Hans" typeface="宋体"/>
-        <a:font script="Hant" typeface="新細明體"/>
-        <a:font script="Arab" typeface="Arial"/>
-        <a:font script="Hebr" typeface="Arial"/>
-        <a:font script="Thai" typeface="Cordia New"/>
-        <a:font script="Ethi" typeface="Nyala"/>
-        <a:font script="Beng" typeface="Vrinda"/>
-        <a:font script="Gujr" typeface="Shruti"/>
-        <a:font script="Khmr" typeface="DaunPenh"/>
-        <a:font script="Knda" typeface="Tunga"/>
-        <a:font script="Guru" typeface="Raavi"/>
-        <a:font script="Cans" typeface="Euphemia"/>
-        <a:font script="Cher" typeface="Plantagenet Cherokee"/>
-        <a:font script="Yiii" typeface="Microsoft Yi Baiti"/>
-        <a:font script="Tibt" typeface="Microsoft Himalaya"/>
-        <a:font script="Thaa" typeface="MV Boli"/>
-        <a:font script="Deva" typeface="Mangal"/>
-        <a:font script="Telu" typeface="Gautami"/>
-        <a:font script="Taml" typeface="Latha"/>
-        <a:font script="Syrc" typeface="Estrangelo Edessa"/>
-        <a:font script="Orya" typeface="Kalinga"/>
-        <a:font script="Mlym" typeface="Kartika"/>
-        <a:font script="Laoo" typeface="DokChampa"/>
-        <a:font script="Sinh" typeface="Iskoola Pota"/>
-        <a:font script="Mong" typeface="Mongolian Baiti"/>
-        <a:font script="Viet" typeface="Arial"/>
-        <a:font script="Uigh" typeface="Microsoft Uighur"/>
-        <a:font script="Geor" typeface="Sylfaen"/>
-      </a:minorFont>
-    </a:fontScheme>
-    <a:fmtScheme name="Office">
-      <a:fillStyleLst>
-        <a:solidFill>
-          <a:schemeClr val="phClr"/>
-        </a:solidFill>
-        <a:gradFill rotWithShape="1">
-          <a:gsLst>
-            <a:gs pos="0">
-              <a:schemeClr val="phClr">
-                <a:tint val="50000"/>
-                <a:satMod val="300000"/>
-              </a:schemeClr>
-            </a:gs>
-            <a:gs pos="35000">
-              <a:schemeClr val="phClr">
-                <a:tint val="37000"/>
-                <a:satMod val="300000"/>
-              </a:schemeClr>
-            </a:gs>
-            <a:gs pos="100000">
-              <a:schemeClr val="phClr">
-                <a:tint val="15000"/>
-                <a:satMod val="350000"/>
-              </a:schemeClr>
-            </a:gs>
-          </a:gsLst>
-          <a:lin ang="16200000" scaled="1"/>
-        </a:gradFill>
-        <a:gradFill rotWithShape="1">
-          <a:gsLst>
-            <a:gs pos="0">
-              <a:schemeClr val="phClr">
-                <a:tint val="100000"/>
-                <a:shade val="100000"/>
-                <a:satMod val="130000"/>
-              </a:schemeClr>
-            </a:gs>
-            <a:gs pos="100000">
-              <a:schemeClr val="phClr">
-                <a:tint val="50000"/>
-                <a:shade val="100000"/>
-                <a:satMod val="350000"/>
-              </a:schemeClr>
-            </a:gs>
-          </a:gsLst>
-          <a:lin ang="16200000" scaled="0"/>
-        </a:gradFill>
-      </a:fillStyleLst>
-      <a:lnStyleLst>
-        <a:ln w="9525" cap="flat" cmpd="sng" algn="ctr">
-          <a:solidFill>
-            <a:schemeClr val="phClr">
-              <a:shade val="95000"/>
-              <a:satMod val="105000"/>
-            </a:schemeClr>
-          </a:solidFill>
-          <a:prstDash val="solid"/>
-        </a:ln>
-        <a:ln w="25400" cap="flat" cmpd="sng" algn="ctr">
-          <a:solidFill>
-            <a:schemeClr val="phClr"/>
-          </a:solidFill>
-          <a:prstDash val="solid"/>
-        </a:ln>
-        <a:ln w="38100" cap="flat" cmpd="sng" algn="ctr">
-          <a:solidFill>
-            <a:schemeClr val="phClr"/>
-          </a:solidFill>
-          <a:prstDash val="solid"/>
-        </a:ln>
-      </a:lnStyleLst>
-      <a:effectStyleLst>
-        <a:effectStyle>
-          <a:effectLst>
-            <a:outerShdw blurRad="40000" dist="20000" dir="5400000" rotWithShape="0">
-              <a:srgbClr val="000000">
-                <a:alpha val="38000"/>
-              </a:srgbClr>
-            </a:outerShdw>
-          </a:effectLst>
-        </a:effectStyle>
-        <a:effectStyle>
-          <a:effectLst>
-            <a:outerShdw blurRad="40000" dist="23000" dir="5400000" rotWithShape="0">
-              <a:srgbClr val="000000">
-                <a:alpha val="35000"/>
-              </a:srgbClr>
-            </a:outerShdw>
-          </a:effectLst>
-        </a:effectStyle>
-        <a:effectStyle>
-          <a:effectLst>
-            <a:outerShdw blurRad="40000" dist="23000" dir="5400000" rotWithShape="0">
-              <a:srgbClr val="000000">
-                <a:alpha val="35000"/>
-              </a:srgbClr>
-            </a:outerShdw>
-          </a:effectLst>
-          <a:scene3d>
-            <a:camera prst="orthographicFront">
-              <a:rot lat="0" lon="0" rev="0"/>
-            </a:camera>
-            <a:lightRig rig="threePt" dir="t">
-              <a:rot lat="0" lon="0" rev="1200000"/>
-            </a:lightRig>
-          </a:scene3d>
-          <a:sp3d>
-            <a:bevelT w="63500" h="25400"/>
-          </a:sp3d>
-        </a:effectStyle>
-      </a:effectStyleLst>
-      <a:bgFillStyleLst>
-        <a:solidFill>
-          <a:schemeClr val="phClr"/>
-        </a:solidFill>
-        <a:gradFill rotWithShape="1">
-          <a:gsLst>
-            <a:gs pos="0">
-              <a:schemeClr val="phClr">
-                <a:tint val="40000"/>
-                <a:satMod val="350000"/>
-              </a:schemeClr>
-            </a:gs>
-            <a:gs pos="40000">
-              <a:schemeClr val="phClr">
-                <a:tint val="45000"/>
-                <a:shade val="99000"/>
-                <a:satMod val="350000"/>
-              </a:schemeClr>
-            </a:gs>
-            <a:gs pos="100000">
-              <a:schemeClr val="phClr">
-                <a:shade val="20000"/>
-                <a:satMod val="255000"/>
-              </a:schemeClr>
-            </a:gs>
-          </a:gsLst>
-          <a:path path="circle">
-            <a:fillToRect l="50000" t="-80000" r="50000" b="180000"/>
-          </a:path>
-        </a:gradFill>
-        <a:gradFill rotWithShape="1">
-          <a:gsLst>
-            <a:gs pos="0">
-              <a:schemeClr val="phClr">
-                <a:tint val="80000"/>
-                <a:satMod val="300000"/>
-              </a:schemeClr>
-            </a:gs>
-            <a:gs pos="100000">
-              <a:schemeClr val="phClr">
-                <a:shade val="30000"/>
-                <a:satMod val="200000"/>
-              </a:schemeClr>
-            </a:gs>
-          </a:gsLst>
-          <a:path path="circle">
-            <a:fillToRect l="50000" t="50000" r="50000" b="50000"/>
-          </a:path>
-        </a:gradFill>
-      </a:bgFillStyleLst>
-    </a:fmtScheme>
-  </a:themeElements>
-</a:theme>
 </file>
--- a/Fase 1/Evidencias Grupales/Presentacion Proyecto.pptx
+++ b/Fase 1/Evidencias Grupales/Presentacion Proyecto.pptx
@@ -9107,6 +9107,285 @@
 </file>
 
 <file path=ppt/theme/theme1.xml><?xml version="1.0" encoding="utf-8"?>
+<a:theme xmlns:a="http://schemas.openxmlformats.org/drawingml/2006/main" xmlns:r="http://schemas.openxmlformats.org/officeDocument/2006/relationships">
+  <a:themeElements>
+    <a:clrScheme name="Default">
+      <a:dk1>
+        <a:srgbClr val="000000"/>
+      </a:dk1>
+      <a:lt1>
+        <a:srgbClr val="FFFFFF"/>
+      </a:lt1>
+      <a:dk2>
+        <a:srgbClr val="158158"/>
+      </a:dk2>
+      <a:lt2>
+        <a:srgbClr val="F3F3F3"/>
+      </a:lt2>
+      <a:accent1>
+        <a:srgbClr val="058DC7"/>
+      </a:accent1>
+      <a:accent2>
+        <a:srgbClr val="50B432"/>
+      </a:accent2>
+      <a:accent3>
+        <a:srgbClr val="ED561B"/>
+      </a:accent3>
+      <a:accent4>
+        <a:srgbClr val="EDEF00"/>
+      </a:accent4>
+      <a:accent5>
+        <a:srgbClr val="24CBE5"/>
+      </a:accent5>
+      <a:accent6>
+        <a:srgbClr val="64E572"/>
+      </a:accent6>
+      <a:hlink>
+        <a:srgbClr val="2200CC"/>
+      </a:hlink>
+      <a:folHlink>
+        <a:srgbClr val="551A8B"/>
+      </a:folHlink>
+    </a:clrScheme>
+    <a:fontScheme name="Office">
+      <a:majorFont>
+        <a:latin typeface="Arial"/>
+        <a:ea typeface=""/>
+        <a:cs typeface=""/>
+        <a:font script="Jpan" typeface="ＭＳ Ｐゴシック"/>
+        <a:font script="Hang" typeface="맑은 고딕"/>
+        <a:font script="Hans" typeface="宋体"/>
+        <a:font script="Hant" typeface="新細明體"/>
+        <a:font script="Arab" typeface="Times New Roman"/>
+        <a:font script="Hebr" typeface="Times New Roman"/>
+        <a:font script="Thai" typeface="Angsana New"/>
+        <a:font script="Ethi" typeface="Nyala"/>
+        <a:font script="Beng" typeface="Vrinda"/>
+        <a:font script="Gujr" typeface="Shruti"/>
+        <a:font script="Khmr" typeface="MoolBoran"/>
+        <a:font script="Knda" typeface="Tunga"/>
+        <a:font script="Guru" typeface="Raavi"/>
+        <a:font script="Cans" typeface="Euphemia"/>
+        <a:font script="Cher" typeface="Plantagenet Cherokee"/>
+        <a:font script="Yiii" typeface="Microsoft Yi Baiti"/>
+        <a:font script="Tibt" typeface="Microsoft Himalaya"/>
+        <a:font script="Thaa" typeface="MV Boli"/>
+        <a:font script="Deva" typeface="Mangal"/>
+        <a:font script="Telu" typeface="Gautami"/>
+        <a:font script="Taml" typeface="Latha"/>
+        <a:font script="Syrc" typeface="Estrangelo Edessa"/>
+        <a:font script="Orya" typeface="Kalinga"/>
+        <a:font script="Mlym" typeface="Kartika"/>
+        <a:font script="Laoo" typeface="DokChampa"/>
+        <a:font script="Sinh" typeface="Iskoola Pota"/>
+        <a:font script="Mong" typeface="Mongolian Baiti"/>
+        <a:font script="Viet" typeface="Times New Roman"/>
+        <a:font script="Uigh" typeface="Microsoft Uighur"/>
+        <a:font script="Geor" typeface="Sylfaen"/>
+      </a:majorFont>
+      <a:minorFont>
+        <a:latin typeface="Arial"/>
+        <a:ea typeface=""/>
+        <a:cs typeface=""/>
+        <a:font script="Jpan" typeface="ＭＳ Ｐゴシック"/>
+        <a:font script="Hang" typeface="맑은 고딕"/>
+        <a:font script="Hans" typeface="宋体"/>
+        <a:font script="Hant" typeface="新細明體"/>
+        <a:font script="Arab" typeface="Arial"/>
+        <a:font script="Hebr" typeface="Arial"/>
+        <a:font script="Thai" typeface="Cordia New"/>
+        <a:font script="Ethi" typeface="Nyala"/>
+        <a:font script="Beng" typeface="Vrinda"/>
+        <a:font script="Gujr" typeface="Shruti"/>
+        <a:font script="Khmr" typeface="DaunPenh"/>
+        <a:font script="Knda" typeface="Tunga"/>
+        <a:font script="Guru" typeface="Raavi"/>
+        <a:font script="Cans" typeface="Euphemia"/>
+        <a:font script="Cher" typeface="Plantagenet Cherokee"/>
+        <a:font script="Yiii" typeface="Microsoft Yi Baiti"/>
+        <a:font script="Tibt" typeface="Microsoft Himalaya"/>
+        <a:font script="Thaa" typeface="MV Boli"/>
+        <a:font script="Deva" typeface="Mangal"/>
+        <a:font script="Telu" typeface="Gautami"/>
+        <a:font script="Taml" typeface="Latha"/>
+        <a:font script="Syrc" typeface="Estrangelo Edessa"/>
+        <a:font script="Orya" typeface="Kalinga"/>
+        <a:font script="Mlym" typeface="Kartika"/>
+        <a:font script="Laoo" typeface="DokChampa"/>
+        <a:font script="Sinh" typeface="Iskoola Pota"/>
+        <a:font script="Mong" typeface="Mongolian Baiti"/>
+        <a:font script="Viet" typeface="Arial"/>
+        <a:font script="Uigh" typeface="Microsoft Uighur"/>
+        <a:font script="Geor" typeface="Sylfaen"/>
+      </a:minorFont>
+    </a:fontScheme>
+    <a:fmtScheme name="Office">
+      <a:fillStyleLst>
+        <a:solidFill>
+          <a:schemeClr val="phClr"/>
+        </a:solidFill>
+        <a:gradFill rotWithShape="1">
+          <a:gsLst>
+            <a:gs pos="0">
+              <a:schemeClr val="phClr">
+                <a:tint val="50000"/>
+                <a:satMod val="300000"/>
+              </a:schemeClr>
+            </a:gs>
+            <a:gs pos="35000">
+              <a:schemeClr val="phClr">
+                <a:tint val="37000"/>
+                <a:satMod val="300000"/>
+              </a:schemeClr>
+            </a:gs>
+            <a:gs pos="100000">
+              <a:schemeClr val="phClr">
+                <a:tint val="15000"/>
+                <a:satMod val="350000"/>
+              </a:schemeClr>
+            </a:gs>
+          </a:gsLst>
+          <a:lin ang="16200000" scaled="1"/>
+        </a:gradFill>
+        <a:gradFill rotWithShape="1">
+          <a:gsLst>
+            <a:gs pos="0">
+              <a:schemeClr val="phClr">
+                <a:tint val="100000"/>
+                <a:shade val="100000"/>
+                <a:satMod val="130000"/>
+              </a:schemeClr>
+            </a:gs>
+            <a:gs pos="100000">
+              <a:schemeClr val="phClr">
+                <a:tint val="50000"/>
+                <a:shade val="100000"/>
+                <a:satMod val="350000"/>
+              </a:schemeClr>
+            </a:gs>
+          </a:gsLst>
+          <a:lin ang="16200000" scaled="0"/>
+        </a:gradFill>
+      </a:fillStyleLst>
+      <a:lnStyleLst>
+        <a:ln w="9525" cap="flat" cmpd="sng" algn="ctr">
+          <a:solidFill>
+            <a:schemeClr val="phClr">
+              <a:shade val="95000"/>
+              <a:satMod val="105000"/>
+            </a:schemeClr>
+          </a:solidFill>
+          <a:prstDash val="solid"/>
+        </a:ln>
+        <a:ln w="25400" cap="flat" cmpd="sng" algn="ctr">
+          <a:solidFill>
+            <a:schemeClr val="phClr"/>
+          </a:solidFill>
+          <a:prstDash val="solid"/>
+        </a:ln>
+        <a:ln w="38100" cap="flat" cmpd="sng" algn="ctr">
+          <a:solidFill>
+            <a:schemeClr val="phClr"/>
+          </a:solidFill>
+          <a:prstDash val="solid"/>
+        </a:ln>
+      </a:lnStyleLst>
+      <a:effectStyleLst>
+        <a:effectStyle>
+          <a:effectLst>
+            <a:outerShdw blurRad="40000" dist="20000" dir="5400000" rotWithShape="0">
+              <a:srgbClr val="000000">
+                <a:alpha val="38000"/>
+              </a:srgbClr>
+            </a:outerShdw>
+          </a:effectLst>
+        </a:effectStyle>
+        <a:effectStyle>
+          <a:effectLst>
+            <a:outerShdw blurRad="40000" dist="23000" dir="5400000" rotWithShape="0">
+              <a:srgbClr val="000000">
+                <a:alpha val="35000"/>
+              </a:srgbClr>
+            </a:outerShdw>
+          </a:effectLst>
+        </a:effectStyle>
+        <a:effectStyle>
+          <a:effectLst>
+            <a:outerShdw blurRad="40000" dist="23000" dir="5400000" rotWithShape="0">
+              <a:srgbClr val="000000">
+                <a:alpha val="35000"/>
+              </a:srgbClr>
+            </a:outerShdw>
+          </a:effectLst>
+          <a:scene3d>
+            <a:camera prst="orthographicFront">
+              <a:rot lat="0" lon="0" rev="0"/>
+            </a:camera>
+            <a:lightRig rig="threePt" dir="t">
+              <a:rot lat="0" lon="0" rev="1200000"/>
+            </a:lightRig>
+          </a:scene3d>
+          <a:sp3d>
+            <a:bevelT w="63500" h="25400"/>
+          </a:sp3d>
+        </a:effectStyle>
+      </a:effectStyleLst>
+      <a:bgFillStyleLst>
+        <a:solidFill>
+          <a:schemeClr val="phClr"/>
+        </a:solidFill>
+        <a:gradFill rotWithShape="1">
+          <a:gsLst>
+            <a:gs pos="0">
+              <a:schemeClr val="phClr">
+                <a:tint val="40000"/>
+                <a:satMod val="350000"/>
+              </a:schemeClr>
+            </a:gs>
+            <a:gs pos="40000">
+              <a:schemeClr val="phClr">
+                <a:tint val="45000"/>
+                <a:shade val="99000"/>
+                <a:satMod val="350000"/>
+              </a:schemeClr>
+            </a:gs>
+            <a:gs pos="100000">
+              <a:schemeClr val="phClr">
+                <a:shade val="20000"/>
+                <a:satMod val="255000"/>
+              </a:schemeClr>
+            </a:gs>
+          </a:gsLst>
+          <a:path path="circle">
+            <a:fillToRect l="50000" t="-80000" r="50000" b="180000"/>
+          </a:path>
+        </a:gradFill>
+        <a:gradFill rotWithShape="1">
+          <a:gsLst>
+            <a:gs pos="0">
+              <a:schemeClr val="phClr">
+                <a:tint val="80000"/>
+                <a:satMod val="300000"/>
+              </a:schemeClr>
+            </a:gs>
+            <a:gs pos="100000">
+              <a:schemeClr val="phClr">
+                <a:shade val="30000"/>
+                <a:satMod val="200000"/>
+              </a:schemeClr>
+            </a:gs>
+          </a:gsLst>
+          <a:path path="circle">
+            <a:fillToRect l="50000" t="50000" r="50000" b="50000"/>
+          </a:path>
+        </a:gradFill>
+      </a:bgFillStyleLst>
+    </a:fmtScheme>
+  </a:themeElements>
+</a:theme>
+</file>
+
+<file path=ppt/theme/theme2.xml><?xml version="1.0" encoding="utf-8"?>
 <a:theme xmlns:a="http://schemas.openxmlformats.org/drawingml/2006/main" xmlns:r="http://schemas.openxmlformats.org/officeDocument/2006/relationships" name="Coral">
   <a:themeElements>
     <a:clrScheme name="Coral">
@@ -9383,283 +9662,4 @@
     </a:fmtScheme>
   </a:themeElements>
 </a:theme>
-</file>
-
-<file path=ppt/theme/theme2.xml><?xml version="1.0" encoding="utf-8"?>
-<a:theme xmlns:a="http://schemas.openxmlformats.org/drawingml/2006/main" xmlns:r="http://schemas.openxmlformats.org/officeDocument/2006/relationships">
-  <a:themeElements>
-    <a:clrScheme name="Default">
-      <a:dk1>
-        <a:srgbClr val="000000"/>
-      </a:dk1>
-      <a:lt1>
-        <a:srgbClr val="FFFFFF"/>
-      </a:lt1>
-      <a:dk2>
-        <a:srgbClr val="158158"/>
-      </a:dk2>
-      <a:lt2>
-        <a:srgbClr val="F3F3F3"/>
-      </a:lt2>
-      <a:accent1>
-        <a:srgbClr val="058DC7"/>
-      </a:accent1>
-      <a:accent2>
-        <a:srgbClr val="50B432"/>
-      </a:accent2>
-      <a:accent3>
-        <a:srgbClr val="ED561B"/>
-      </a:accent3>
-      <a:accent4>
-        <a:srgbClr val="EDEF00"/>
-      </a:accent4>
-      <a:accent5>
-        <a:srgbClr val="24CBE5"/>
-      </a:accent5>
-      <a:accent6>
-        <a:srgbClr val="64E572"/>
-      </a:accent6>
-      <a:hlink>
-        <a:srgbClr val="2200CC"/>
-      </a:hlink>
-      <a:folHlink>
-        <a:srgbClr val="551A8B"/>
-      </a:folHlink>
-    </a:clrScheme>
-    <a:fontScheme name="Office">
-      <a:majorFont>
-        <a:latin typeface="Arial"/>
-        <a:ea typeface=""/>
-        <a:cs typeface=""/>
-        <a:font script="Jpan" typeface="ＭＳ Ｐゴシック"/>
-        <a:font script="Hang" typeface="맑은 고딕"/>
-        <a:font script="Hans" typeface="宋体"/>
-        <a:font script="Hant" typeface="新細明體"/>
-        <a:font script="Arab" typeface="Times New Roman"/>
-        <a:font script="Hebr" typeface="Times New Roman"/>
-        <a:font script="Thai" typeface="Angsana New"/>
-        <a:font script="Ethi" typeface="Nyala"/>
-        <a:font script="Beng" typeface="Vrinda"/>
-        <a:font script="Gujr" typeface="Shruti"/>
-        <a:font script="Khmr" typeface="MoolBoran"/>
-        <a:font script="Knda" typeface="Tunga"/>
-        <a:font script="Guru" typeface="Raavi"/>
-        <a:font script="Cans" typeface="Euphemia"/>
-        <a:font script="Cher" typeface="Plantagenet Cherokee"/>
-        <a:font script="Yiii" typeface="Microsoft Yi Baiti"/>
-        <a:font script="Tibt" typeface="Microsoft Himalaya"/>
-        <a:font script="Thaa" typeface="MV Boli"/>
-        <a:font script="Deva" typeface="Mangal"/>
-        <a:font script="Telu" typeface="Gautami"/>
-        <a:font script="Taml" typeface="Latha"/>
-        <a:font script="Syrc" typeface="Estrangelo Edessa"/>
-        <a:font script="Orya" typeface="Kalinga"/>
-        <a:font script="Mlym" typeface="Kartika"/>
-        <a:font script="Laoo" typeface="DokChampa"/>
-        <a:font script="Sinh" typeface="Iskoola Pota"/>
-        <a:font script="Mong" typeface="Mongolian Baiti"/>
-        <a:font script="Viet" typeface="Times New Roman"/>
-        <a:font script="Uigh" typeface="Microsoft Uighur"/>
-        <a:font script="Geor" typeface="Sylfaen"/>
-      </a:majorFont>
-      <a:minorFont>
-        <a:latin typeface="Arial"/>
-        <a:ea typeface=""/>
-        <a:cs typeface=""/>
-        <a:font script="Jpan" typeface="ＭＳ Ｐゴシック"/>
-        <a:font script="Hang" typeface="맑은 고딕"/>
-        <a:font script="Hans" typeface="宋体"/>
-        <a:font script="Hant" typeface="新細明體"/>
-        <a:font script="Arab" typeface="Arial"/>
-        <a:font script="Hebr" typeface="Arial"/>
-        <a:font script="Thai" typeface="Cordia New"/>
-        <a:font script="Ethi" typeface="Nyala"/>
-        <a:font script="Beng" typeface="Vrinda"/>
-        <a:font script="Gujr" typeface="Shruti"/>
-        <a:font script="Khmr" typeface="DaunPenh"/>
-        <a:font script="Knda" typeface="Tunga"/>
-        <a:font script="Guru" typeface="Raavi"/>
-        <a:font script="Cans" typeface="Euphemia"/>
-        <a:font script="Cher" typeface="Plantagenet Cherokee"/>
-        <a:font script="Yiii" typeface="Microsoft Yi Baiti"/>
-        <a:font script="Tibt" typeface="Microsoft Himalaya"/>
-        <a:font script="Thaa" typeface="MV Boli"/>
-        <a:font script="Deva" typeface="Mangal"/>
-        <a:font script="Telu" typeface="Gautami"/>
-        <a:font script="Taml" typeface="Latha"/>
-        <a:font script="Syrc" typeface="Estrangelo Edessa"/>
-        <a:font script="Orya" typeface="Kalinga"/>
-        <a:font script="Mlym" typeface="Kartika"/>
-        <a:font script="Laoo" typeface="DokChampa"/>
-        <a:font script="Sinh" typeface="Iskoola Pota"/>
-        <a:font script="Mong" typeface="Mongolian Baiti"/>
-        <a:font script="Viet" typeface="Arial"/>
-        <a:font script="Uigh" typeface="Microsoft Uighur"/>
-        <a:font script="Geor" typeface="Sylfaen"/>
-      </a:minorFont>
-    </a:fontScheme>
-    <a:fmtScheme name="Office">
-      <a:fillStyleLst>
-        <a:solidFill>
-          <a:schemeClr val="phClr"/>
-        </a:solidFill>
-        <a:gradFill rotWithShape="1">
-          <a:gsLst>
-            <a:gs pos="0">
-              <a:schemeClr val="phClr">
-                <a:tint val="50000"/>
-                <a:satMod val="300000"/>
-              </a:schemeClr>
-            </a:gs>
-            <a:gs pos="35000">
-              <a:schemeClr val="phClr">
-                <a:tint val="37000"/>
-                <a:satMod val="300000"/>
-              </a:schemeClr>
-            </a:gs>
-            <a:gs pos="100000">
-              <a:schemeClr val="phClr">
-                <a:tint val="15000"/>
-                <a:satMod val="350000"/>
-              </a:schemeClr>
-            </a:gs>
-          </a:gsLst>
-          <a:lin ang="16200000" scaled="1"/>
-        </a:gradFill>
-        <a:gradFill rotWithShape="1">
-          <a:gsLst>
-            <a:gs pos="0">
-              <a:schemeClr val="phClr">
-                <a:tint val="100000"/>
-                <a:shade val="100000"/>
-                <a:satMod val="130000"/>
-              </a:schemeClr>
-            </a:gs>
-            <a:gs pos="100000">
-              <a:schemeClr val="phClr">
-                <a:tint val="50000"/>
-                <a:shade val="100000"/>
-                <a:satMod val="350000"/>
-              </a:schemeClr>
-            </a:gs>
-          </a:gsLst>
-          <a:lin ang="16200000" scaled="0"/>
-        </a:gradFill>
-      </a:fillStyleLst>
-      <a:lnStyleLst>
-        <a:ln w="9525" cap="flat" cmpd="sng" algn="ctr">
-          <a:solidFill>
-            <a:schemeClr val="phClr">
-              <a:shade val="95000"/>
-              <a:satMod val="105000"/>
-            </a:schemeClr>
-          </a:solidFill>
-          <a:prstDash val="solid"/>
-        </a:ln>
-        <a:ln w="25400" cap="flat" cmpd="sng" algn="ctr">
-          <a:solidFill>
-            <a:schemeClr val="phClr"/>
-          </a:solidFill>
-          <a:prstDash val="solid"/>
-        </a:ln>
-        <a:ln w="38100" cap="flat" cmpd="sng" algn="ctr">
-          <a:solidFill>
-            <a:schemeClr val="phClr"/>
-          </a:solidFill>
-          <a:prstDash val="solid"/>
-        </a:ln>
-      </a:lnStyleLst>
-      <a:effectStyleLst>
-        <a:effectStyle>
-          <a:effectLst>
-            <a:outerShdw blurRad="40000" dist="20000" dir="5400000" rotWithShape="0">
-              <a:srgbClr val="000000">
-                <a:alpha val="38000"/>
-              </a:srgbClr>
-            </a:outerShdw>
-          </a:effectLst>
-        </a:effectStyle>
-        <a:effectStyle>
-          <a:effectLst>
-            <a:outerShdw blurRad="40000" dist="23000" dir="5400000" rotWithShape="0">
-              <a:srgbClr val="000000">
-                <a:alpha val="35000"/>
-              </a:srgbClr>
-            </a:outerShdw>
-          </a:effectLst>
-        </a:effectStyle>
-        <a:effectStyle>
-          <a:effectLst>
-            <a:outerShdw blurRad="40000" dist="23000" dir="5400000" rotWithShape="0">
-              <a:srgbClr val="000000">
-                <a:alpha val="35000"/>
-              </a:srgbClr>
-            </a:outerShdw>
-          </a:effectLst>
-          <a:scene3d>
-            <a:camera prst="orthographicFront">
-              <a:rot lat="0" lon="0" rev="0"/>
-            </a:camera>
-            <a:lightRig rig="threePt" dir="t">
-              <a:rot lat="0" lon="0" rev="1200000"/>
-            </a:lightRig>
-          </a:scene3d>
-          <a:sp3d>
-            <a:bevelT w="63500" h="25400"/>
-          </a:sp3d>
-        </a:effectStyle>
-      </a:effectStyleLst>
-      <a:bgFillStyleLst>
-        <a:solidFill>
-          <a:schemeClr val="phClr"/>
-        </a:solidFill>
-        <a:gradFill rotWithShape="1">
-          <a:gsLst>
-            <a:gs pos="0">
-              <a:schemeClr val="phClr">
-                <a:tint val="40000"/>
-                <a:satMod val="350000"/>
-              </a:schemeClr>
-            </a:gs>
-            <a:gs pos="40000">
-              <a:schemeClr val="phClr">
-                <a:tint val="45000"/>
-                <a:shade val="99000"/>
-                <a:satMod val="350000"/>
-              </a:schemeClr>
-            </a:gs>
-            <a:gs pos="100000">
-              <a:schemeClr val="phClr">
-                <a:shade val="20000"/>
-                <a:satMod val="255000"/>
-              </a:schemeClr>
-            </a:gs>
-          </a:gsLst>
-          <a:path path="circle">
-            <a:fillToRect l="50000" t="-80000" r="50000" b="180000"/>
-          </a:path>
-        </a:gradFill>
-        <a:gradFill rotWithShape="1">
-          <a:gsLst>
-            <a:gs pos="0">
-              <a:schemeClr val="phClr">
-                <a:tint val="80000"/>
-                <a:satMod val="300000"/>
-              </a:schemeClr>
-            </a:gs>
-            <a:gs pos="100000">
-              <a:schemeClr val="phClr">
-                <a:shade val="30000"/>
-                <a:satMod val="200000"/>
-              </a:schemeClr>
-            </a:gs>
-          </a:gsLst>
-          <a:path path="circle">
-            <a:fillToRect l="50000" t="50000" r="50000" b="50000"/>
-          </a:path>
-        </a:gradFill>
-      </a:bgFillStyleLst>
-    </a:fmtScheme>
-  </a:themeElements>
-</a:theme>
 </file>